--- a/presentation/CV_Proj_Presentation_2.pptx
+++ b/presentation/CV_Proj_Presentation_2.pptx
@@ -5,7 +5,7 @@
     <p:sldMasterId id="2147483648" r:id="rId1"/>
   </p:sldMasterIdLst>
   <p:notesMasterIdLst>
-    <p:notesMasterId r:id="rId13"/>
+    <p:notesMasterId r:id="rId15"/>
   </p:notesMasterIdLst>
   <p:sldIdLst>
     <p:sldId id="256" r:id="rId2"/>
@@ -13,12 +13,14 @@
     <p:sldId id="261" r:id="rId4"/>
     <p:sldId id="265" r:id="rId5"/>
     <p:sldId id="258" r:id="rId6"/>
-    <p:sldId id="260" r:id="rId7"/>
-    <p:sldId id="259" r:id="rId8"/>
+    <p:sldId id="259" r:id="rId7"/>
+    <p:sldId id="260" r:id="rId8"/>
     <p:sldId id="262" r:id="rId9"/>
-    <p:sldId id="263" r:id="rId10"/>
-    <p:sldId id="264" r:id="rId11"/>
-    <p:sldId id="266" r:id="rId12"/>
+    <p:sldId id="267" r:id="rId10"/>
+    <p:sldId id="268" r:id="rId11"/>
+    <p:sldId id="263" r:id="rId12"/>
+    <p:sldId id="264" r:id="rId13"/>
+    <p:sldId id="266" r:id="rId14"/>
   </p:sldIdLst>
   <p:sldSz cx="12192000" cy="6858000"/>
   <p:notesSz cx="6858000" cy="9144000"/>
@@ -517,7 +519,24 @@
           <a:prstGeom prst="rect">
             <a:avLst/>
           </a:prstGeom>
-          <a:noFill/>
+          <a:solidFill>
+            <a:srgbClr val="000000">
+              <a:shade val="95000"/>
+            </a:srgbClr>
+          </a:solidFill>
+          <a:ln w="444500" cap="sq">
+            <a:solidFill>
+              <a:srgbClr val="000000"/>
+            </a:solidFill>
+            <a:miter lim="800000"/>
+          </a:ln>
+          <a:effectLst>
+            <a:outerShdw blurRad="254000" dist="190500" dir="2700000" sy="90000" algn="bl" rotWithShape="0">
+              <a:srgbClr val="000000">
+                <a:alpha val="40000"/>
+              </a:srgbClr>
+            </a:outerShdw>
+          </a:effectLst>
           <a:extLst>
             <a:ext uri="{909E8E84-426E-40DD-AFC4-6F175D3DCCD1}">
               <a14:hiddenFill xmlns:a14="http://schemas.microsoft.com/office/drawing/2010/main">
@@ -4774,7 +4793,7 @@
           <a:p>
             <a:r>
               <a:rPr lang="en-US" smtClean="0"/>
-              <a:t>Computer Vision (001) by Kim Gunhee – Spring 2018 Seoul Nation university</a:t>
+              <a:t>Computer Vision (001) by Kim Gunhee – Spring 2018 Seoul National university</a:t>
             </a:r>
             <a:endParaRPr lang="en-US" dirty="0"/>
           </a:p>
@@ -5042,7 +5061,7 @@
           <a:p>
             <a:r>
               <a:rPr lang="en-US" smtClean="0"/>
-              <a:t>Computer Vision (001) by Kim Gunhee – Spring 2018 Seoul Nation university</a:t>
+              <a:t>Computer Vision (001) by Kim Gunhee – Spring 2018 Seoul National university</a:t>
             </a:r>
             <a:endParaRPr lang="en-US" dirty="0"/>
           </a:p>
@@ -5244,7 +5263,7 @@
           <a:p>
             <a:r>
               <a:rPr lang="en-US" smtClean="0"/>
-              <a:t>Computer Vision (001) by Kim Gunhee – Spring 2018 Seoul Nation university</a:t>
+              <a:t>Computer Vision (001) by Kim Gunhee – Spring 2018 Seoul National university</a:t>
             </a:r>
             <a:endParaRPr lang="en-US" dirty="0"/>
           </a:p>
@@ -5506,7 +5525,7 @@
           <a:p>
             <a:r>
               <a:rPr lang="en-US" smtClean="0"/>
-              <a:t>Computer Vision (001) by Kim Gunhee – Spring 2018 Seoul Nation university</a:t>
+              <a:t>Computer Vision (001) by Kim Gunhee – Spring 2018 Seoul National university</a:t>
             </a:r>
             <a:endParaRPr lang="en-US" dirty="0"/>
           </a:p>
@@ -5939,7 +5958,7 @@
           <a:p>
             <a:r>
               <a:rPr lang="en-US" smtClean="0"/>
-              <a:t>Computer Vision (001) by Kim Gunhee – Spring 2018 Seoul Nation university</a:t>
+              <a:t>Computer Vision (001) by Kim Gunhee – Spring 2018 Seoul National university</a:t>
             </a:r>
             <a:endParaRPr lang="en-US" dirty="0"/>
           </a:p>
@@ -6484,7 +6503,7 @@
           <a:p>
             <a:r>
               <a:rPr lang="en-US" smtClean="0"/>
-              <a:t>Computer Vision (001) by Kim Gunhee – Spring 2018 Seoul Nation university</a:t>
+              <a:t>Computer Vision (001) by Kim Gunhee – Spring 2018 Seoul National university</a:t>
             </a:r>
             <a:endParaRPr lang="en-US" dirty="0"/>
           </a:p>
@@ -7203,7 +7222,7 @@
           <a:p>
             <a:r>
               <a:rPr lang="en-US" smtClean="0"/>
-              <a:t>Computer Vision (001) by Kim Gunhee – Spring 2018 Seoul Nation university</a:t>
+              <a:t>Computer Vision (001) by Kim Gunhee – Spring 2018 Seoul National university</a:t>
             </a:r>
             <a:endParaRPr lang="en-US" dirty="0"/>
           </a:p>
@@ -7372,7 +7391,7 @@
           <a:p>
             <a:r>
               <a:rPr lang="en-US" smtClean="0"/>
-              <a:t>Computer Vision (001) by Kim Gunhee – Spring 2018 Seoul Nation university</a:t>
+              <a:t>Computer Vision (001) by Kim Gunhee – Spring 2018 Seoul National university</a:t>
             </a:r>
             <a:endParaRPr lang="en-US" dirty="0"/>
           </a:p>
@@ -7551,7 +7570,7 @@
           <a:p>
             <a:r>
               <a:rPr lang="en-US" smtClean="0"/>
-              <a:t>Computer Vision (001) by Kim Gunhee – Spring 2018 Seoul Nation university</a:t>
+              <a:t>Computer Vision (001) by Kim Gunhee – Spring 2018 Seoul National university</a:t>
             </a:r>
             <a:endParaRPr lang="en-US" dirty="0"/>
           </a:p>
@@ -7645,35 +7664,35 @@
           <a:p>
             <a:pPr lvl="0"/>
             <a:r>
-              <a:rPr lang="en-US" smtClean="0"/>
+              <a:rPr lang="en-US" dirty="0" smtClean="0"/>
               <a:t>Click to edit Master text styles</a:t>
             </a:r>
           </a:p>
           <a:p>
             <a:pPr lvl="1"/>
             <a:r>
-              <a:rPr lang="en-US" smtClean="0"/>
+              <a:rPr lang="en-US" dirty="0" smtClean="0"/>
               <a:t>Second level</a:t>
             </a:r>
           </a:p>
           <a:p>
             <a:pPr lvl="2"/>
             <a:r>
-              <a:rPr lang="en-US" smtClean="0"/>
+              <a:rPr lang="en-US" dirty="0" smtClean="0"/>
               <a:t>Third level</a:t>
             </a:r>
           </a:p>
           <a:p>
             <a:pPr lvl="3"/>
             <a:r>
-              <a:rPr lang="en-US" smtClean="0"/>
+              <a:rPr lang="en-US" dirty="0" smtClean="0"/>
               <a:t>Fourth level</a:t>
             </a:r>
           </a:p>
           <a:p>
             <a:pPr lvl="4"/>
             <a:r>
-              <a:rPr lang="en-US" smtClean="0"/>
+              <a:rPr lang="en-US" dirty="0" smtClean="0"/>
               <a:t>Fifth level</a:t>
             </a:r>
             <a:endParaRPr lang="en-US" dirty="0"/>
@@ -7719,28 +7738,8 @@
           <a:lstStyle/>
           <a:p>
             <a:r>
-              <a:rPr lang="de-CH" dirty="0" smtClean="0"/>
-              <a:t>Computer Vision (001) </a:t>
-            </a:r>
-            <a:r>
-              <a:rPr lang="de-CH" dirty="0" err="1" smtClean="0"/>
-              <a:t>by</a:t>
-            </a:r>
-            <a:r>
-              <a:rPr lang="de-CH" dirty="0" smtClean="0"/>
-              <a:t> Kim </a:t>
-            </a:r>
-            <a:r>
-              <a:rPr lang="de-CH" dirty="0" err="1" smtClean="0"/>
-              <a:t>Gunhee</a:t>
-            </a:r>
-            <a:r>
-              <a:rPr lang="de-CH" dirty="0" smtClean="0"/>
-              <a:t> – Spring 2018 Seoul Nation </a:t>
-            </a:r>
-            <a:r>
-              <a:rPr lang="de-CH" dirty="0" err="1" smtClean="0"/>
-              <a:t>university</a:t>
+              <a:rPr lang="en-US" smtClean="0"/>
+              <a:t>Computer Vision (001) by Kim Gunhee – Spring 2018 Seoul National university</a:t>
             </a:r>
             <a:endParaRPr lang="en-US" dirty="0" smtClean="0"/>
           </a:p>
@@ -7996,7 +7995,7 @@
           <a:p>
             <a:r>
               <a:rPr lang="en-US" smtClean="0"/>
-              <a:t>Computer Vision (001) by Kim Gunhee – Spring 2018 Seoul Nation university</a:t>
+              <a:t>Computer Vision (001) by Kim Gunhee – Spring 2018 Seoul National university</a:t>
             </a:r>
             <a:endParaRPr lang="en-US" dirty="0"/>
           </a:p>
@@ -8234,7 +8233,7 @@
           <a:p>
             <a:r>
               <a:rPr lang="en-US" smtClean="0"/>
-              <a:t>Computer Vision (001) by Kim Gunhee – Spring 2018 Seoul Nation university</a:t>
+              <a:t>Computer Vision (001) by Kim Gunhee – Spring 2018 Seoul National university</a:t>
             </a:r>
             <a:endParaRPr lang="en-US" dirty="0"/>
           </a:p>
@@ -8614,7 +8613,7 @@
           <a:p>
             <a:r>
               <a:rPr lang="en-US" smtClean="0"/>
-              <a:t>Computer Vision (001) by Kim Gunhee – Spring 2018 Seoul Nation university</a:t>
+              <a:t>Computer Vision (001) by Kim Gunhee – Spring 2018 Seoul National university</a:t>
             </a:r>
             <a:endParaRPr lang="en-US" dirty="0"/>
           </a:p>
@@ -8731,7 +8730,7 @@
           <a:p>
             <a:r>
               <a:rPr lang="en-US" smtClean="0"/>
-              <a:t>Computer Vision (001) by Kim Gunhee – Spring 2018 Seoul Nation university</a:t>
+              <a:t>Computer Vision (001) by Kim Gunhee – Spring 2018 Seoul National university</a:t>
             </a:r>
             <a:endParaRPr lang="en-US" dirty="0"/>
           </a:p>
@@ -8825,7 +8824,7 @@
           <a:p>
             <a:r>
               <a:rPr lang="en-US" smtClean="0"/>
-              <a:t>Computer Vision (001) by Kim Gunhee – Spring 2018 Seoul Nation university</a:t>
+              <a:t>Computer Vision (001) by Kim Gunhee – Spring 2018 Seoul National university</a:t>
             </a:r>
             <a:endParaRPr lang="en-US" dirty="0"/>
           </a:p>
@@ -9073,7 +9072,7 @@
           <a:p>
             <a:r>
               <a:rPr lang="en-US" smtClean="0"/>
-              <a:t>Computer Vision (001) by Kim Gunhee – Spring 2018 Seoul Nation university</a:t>
+              <a:t>Computer Vision (001) by Kim Gunhee – Spring 2018 Seoul National university</a:t>
             </a:r>
             <a:endParaRPr lang="en-US" dirty="0"/>
           </a:p>
@@ -9352,7 +9351,7 @@
           <a:p>
             <a:r>
               <a:rPr lang="en-US" smtClean="0"/>
-              <a:t>Computer Vision (001) by Kim Gunhee – Spring 2018 Seoul Nation university</a:t>
+              <a:t>Computer Vision (001) by Kim Gunhee – Spring 2018 Seoul National university</a:t>
             </a:r>
             <a:endParaRPr lang="en-US" dirty="0"/>
           </a:p>
@@ -9424,12 +9423,21 @@
           <p:cNvPicPr>
             <a:picLocks noChangeAspect="1" noChangeArrowheads="1"/>
           </p:cNvPicPr>
-          <p:nvPr/>
+          <p:nvPr userDrawn="1"/>
         </p:nvPicPr>
         <p:blipFill>
           <a:blip r:embed="rId19">
             <a:alphaModFix amt="30000"/>
             <a:extLst>
+              <a:ext uri="{BEBA8EAE-BF5A-486C-A8C5-ECC9F3942E4B}">
+                <a14:imgProps xmlns:a14="http://schemas.microsoft.com/office/drawing/2010/main">
+                  <a14:imgLayer r:embed="rId20">
+                    <a14:imgEffect>
+                      <a14:saturation sat="0"/>
+                    </a14:imgEffect>
+                  </a14:imgLayer>
+                </a14:imgProps>
+              </a:ext>
               <a:ext uri="{28A0092B-C50C-407E-A947-70E740481C1C}">
                 <a14:useLocalDpi xmlns:a14="http://schemas.microsoft.com/office/drawing/2010/main" val="0"/>
               </a:ext>
@@ -9448,7 +9456,24 @@
           <a:prstGeom prst="rect">
             <a:avLst/>
           </a:prstGeom>
-          <a:noFill/>
+          <a:solidFill>
+            <a:srgbClr val="000000">
+              <a:shade val="95000"/>
+            </a:srgbClr>
+          </a:solidFill>
+          <a:ln w="444500" cap="sq">
+            <a:solidFill>
+              <a:srgbClr val="000000"/>
+            </a:solidFill>
+            <a:miter lim="800000"/>
+          </a:ln>
+          <a:effectLst>
+            <a:outerShdw blurRad="254000" dist="190500" dir="2700000" sy="90000" algn="bl" rotWithShape="0">
+              <a:srgbClr val="000000">
+                <a:alpha val="40000"/>
+              </a:srgbClr>
+            </a:outerShdw>
+          </a:effectLst>
           <a:extLst>
             <a:ext uri="{909E8E84-426E-40DD-AFC4-6F175D3DCCD1}">
               <a14:hiddenFill xmlns:a14="http://schemas.microsoft.com/office/drawing/2010/main">
@@ -12452,28 +12477,8 @@
           </a:lstStyle>
           <a:p>
             <a:r>
-              <a:rPr lang="de-CH" dirty="0" smtClean="0"/>
-              <a:t>Computer Vision (001) </a:t>
-            </a:r>
-            <a:r>
-              <a:rPr lang="de-CH" dirty="0" err="1" smtClean="0"/>
-              <a:t>by</a:t>
-            </a:r>
-            <a:r>
-              <a:rPr lang="de-CH" dirty="0" smtClean="0"/>
-              <a:t> Kim </a:t>
-            </a:r>
-            <a:r>
-              <a:rPr lang="de-CH" dirty="0" err="1" smtClean="0"/>
-              <a:t>Gunhee</a:t>
-            </a:r>
-            <a:r>
-              <a:rPr lang="de-CH" dirty="0" smtClean="0"/>
-              <a:t> – Spring 2018 Seoul Nation </a:t>
-            </a:r>
-            <a:r>
-              <a:rPr lang="de-CH" dirty="0" err="1" smtClean="0"/>
-              <a:t>university</a:t>
+              <a:rPr lang="en-US" smtClean="0"/>
+              <a:t>Computer Vision (001) by Kim Gunhee – Spring 2018 Seoul National university</a:t>
             </a:r>
             <a:endParaRPr lang="en-US" dirty="0"/>
           </a:p>
@@ -12530,7 +12535,7 @@
           <p:nvPr userDrawn="1"/>
         </p:nvPicPr>
         <p:blipFill>
-          <a:blip r:embed="rId20">
+          <a:blip r:embed="rId21">
             <a:extLst>
               <a:ext uri="{28A0092B-C50C-407E-A947-70E740481C1C}">
                 <a14:useLocalDpi xmlns:a14="http://schemas.microsoft.com/office/drawing/2010/main" val="0"/>
@@ -13099,12 +13104,12 @@
       </p:sp>
       <p:sp>
         <p:nvSpPr>
-          <p:cNvPr id="5" name="Fußzeilenplatzhalter 4"/>
-          <p:cNvSpPr>
-            <a:spLocks noGrp="1"/>
-          </p:cNvSpPr>
-          <p:nvPr>
-            <p:ph type="ftr" sz="quarter" idx="11"/>
+          <p:cNvPr id="6" name="Foliennummernplatzhalter 5"/>
+          <p:cNvSpPr>
+            <a:spLocks noGrp="1"/>
+          </p:cNvSpPr>
+          <p:nvPr>
+            <p:ph type="sldNum" sz="quarter" idx="12"/>
           </p:nvPr>
         </p:nvSpPr>
         <p:spPr/>
@@ -13112,22 +13117,22 @@
           <a:bodyPr/>
           <a:lstStyle/>
           <a:p>
-            <a:r>
-              <a:rPr lang="en-US" smtClean="0"/>
-              <a:t>Computer Vision (001) by Kim Gunhee – Spring 2018 Seoul Nation university</a:t>
-            </a:r>
+            <a:fld id="{6D22F896-40B5-4ADD-8801-0D06FADFA095}" type="slidenum">
+              <a:rPr lang="en-US" smtClean="0"/>
+              <a:t>1</a:t>
+            </a:fld>
             <a:endParaRPr lang="en-US" dirty="0"/>
           </a:p>
         </p:txBody>
       </p:sp>
       <p:sp>
         <p:nvSpPr>
-          <p:cNvPr id="6" name="Foliennummernplatzhalter 5"/>
-          <p:cNvSpPr>
-            <a:spLocks noGrp="1"/>
-          </p:cNvSpPr>
-          <p:nvPr>
-            <p:ph type="sldNum" sz="quarter" idx="12"/>
+          <p:cNvPr id="7" name="Fußzeilenplatzhalter 6"/>
+          <p:cNvSpPr>
+            <a:spLocks noGrp="1"/>
+          </p:cNvSpPr>
+          <p:nvPr>
+            <p:ph type="ftr" sz="quarter" idx="11"/>
           </p:nvPr>
         </p:nvSpPr>
         <p:spPr/>
@@ -13135,10 +13140,10 @@
           <a:bodyPr/>
           <a:lstStyle/>
           <a:p>
-            <a:fld id="{6D22F896-40B5-4ADD-8801-0D06FADFA095}" type="slidenum">
-              <a:rPr lang="en-US" smtClean="0"/>
-              <a:t>1</a:t>
-            </a:fld>
+            <a:r>
+              <a:rPr lang="en-US" smtClean="0"/>
+              <a:t>Computer Vision (001) by Kim Gunhee – Spring 2018 Seoul National university</a:t>
+            </a:r>
             <a:endParaRPr lang="en-US" dirty="0"/>
           </a:p>
         </p:txBody>
@@ -13197,7 +13202,7 @@
           <a:p>
             <a:r>
               <a:rPr lang="de-CH" dirty="0" err="1" smtClean="0"/>
-              <a:t>Simscape</a:t>
+              <a:t>Wire</a:t>
             </a:r>
             <a:r>
               <a:rPr lang="de-CH" dirty="0" smtClean="0"/>
@@ -13205,7 +13210,7 @@
             </a:r>
             <a:r>
               <a:rPr lang="de-CH" dirty="0" err="1" smtClean="0"/>
-              <a:t>model</a:t>
+              <a:t>detection</a:t>
             </a:r>
             <a:endParaRPr lang="en-US" dirty="0"/>
           </a:p>
@@ -13250,29 +13255,6 @@
               <a:t>06.07.2018</a:t>
             </a:r>
             <a:endParaRPr lang="en-US" dirty="0"/>
-          </a:p>
-        </p:txBody>
-      </p:sp>
-      <p:sp>
-        <p:nvSpPr>
-          <p:cNvPr id="5" name="Fußzeilenplatzhalter 4"/>
-          <p:cNvSpPr>
-            <a:spLocks noGrp="1"/>
-          </p:cNvSpPr>
-          <p:nvPr>
-            <p:ph type="ftr" sz="quarter" idx="11"/>
-          </p:nvPr>
-        </p:nvSpPr>
-        <p:spPr/>
-        <p:txBody>
-          <a:bodyPr/>
-          <a:lstStyle/>
-          <a:p>
-            <a:r>
-              <a:rPr lang="de-CH" smtClean="0"/>
-              <a:t>Computer Vision (001) by Kim Gunhee – Spring 2018 Seoul Nation university</a:t>
-            </a:r>
-            <a:endParaRPr lang="en-US" dirty="0" smtClean="0"/>
           </a:p>
         </p:txBody>
       </p:sp>
@@ -13299,10 +13281,33 @@
           </a:p>
         </p:txBody>
       </p:sp>
+      <p:sp>
+        <p:nvSpPr>
+          <p:cNvPr id="7" name="Fußzeilenplatzhalter 6"/>
+          <p:cNvSpPr>
+            <a:spLocks noGrp="1"/>
+          </p:cNvSpPr>
+          <p:nvPr>
+            <p:ph type="ftr" sz="quarter" idx="11"/>
+          </p:nvPr>
+        </p:nvSpPr>
+        <p:spPr/>
+        <p:txBody>
+          <a:bodyPr/>
+          <a:lstStyle/>
+          <a:p>
+            <a:r>
+              <a:rPr lang="en-US" smtClean="0"/>
+              <a:t>Computer Vision (001) by Kim Gunhee – Spring 2018 Seoul National university</a:t>
+            </a:r>
+            <a:endParaRPr lang="en-US" dirty="0" smtClean="0"/>
+          </a:p>
+        </p:txBody>
+      </p:sp>
     </p:spTree>
     <p:extLst>
       <p:ext uri="{BB962C8B-B14F-4D97-AF65-F5344CB8AC3E}">
-        <p14:creationId xmlns:p14="http://schemas.microsoft.com/office/powerpoint/2010/main" val="3227551523"/>
+        <p14:creationId xmlns:p14="http://schemas.microsoft.com/office/powerpoint/2010/main" val="1516687237"/>
       </p:ext>
     </p:extLst>
   </p:cSld>
@@ -13353,19 +13358,11 @@
           <a:p>
             <a:r>
               <a:rPr lang="de-CH" dirty="0" smtClean="0"/>
-              <a:t>Computer </a:t>
+              <a:t>Output </a:t>
             </a:r>
             <a:r>
               <a:rPr lang="de-CH" dirty="0" err="1" smtClean="0"/>
-              <a:t>vision</a:t>
-            </a:r>
-            <a:r>
-              <a:rPr lang="de-CH" dirty="0" smtClean="0"/>
-              <a:t> </a:t>
-            </a:r>
-            <a:r>
-              <a:rPr lang="de-CH" dirty="0" err="1" smtClean="0"/>
-              <a:t>Concepts</a:t>
+              <a:t>generation</a:t>
             </a:r>
             <a:endParaRPr lang="en-US" dirty="0"/>
           </a:p>
@@ -13387,17 +13384,46 @@
           <a:lstStyle/>
           <a:p>
             <a:r>
-              <a:rPr lang="de-CH" dirty="0" smtClean="0"/>
-              <a:t>Welche </a:t>
-            </a:r>
-            <a:r>
-              <a:rPr lang="de-CH" dirty="0"/>
-              <a:t>K</a:t>
-            </a:r>
-            <a:r>
-              <a:rPr lang="de-CH" dirty="0" smtClean="0"/>
-              <a:t>onzepte wir verwendet haben</a:t>
-            </a:r>
+              <a:rPr lang="en-US" dirty="0" smtClean="0"/>
+              <a:t>Objects in the SIMSCAPE electrical component library have:</a:t>
+            </a:r>
+          </a:p>
+          <a:p>
+            <a:pPr lvl="1"/>
+            <a:r>
+              <a:rPr lang="en-US" dirty="0" smtClean="0"/>
+              <a:t>Coordinates</a:t>
+            </a:r>
+          </a:p>
+          <a:p>
+            <a:pPr lvl="1"/>
+            <a:r>
+              <a:rPr lang="en-US" dirty="0" smtClean="0"/>
+              <a:t>Size</a:t>
+            </a:r>
+          </a:p>
+          <a:p>
+            <a:pPr lvl="1"/>
+            <a:r>
+              <a:rPr lang="en-US" dirty="0" smtClean="0"/>
+              <a:t>Orientation</a:t>
+            </a:r>
+          </a:p>
+          <a:p>
+            <a:pPr lvl="1"/>
+            <a:r>
+              <a:rPr lang="en-US" dirty="0" smtClean="0"/>
+              <a:t>Ports</a:t>
+            </a:r>
+          </a:p>
+          <a:p>
+            <a:pPr lvl="1"/>
+            <a:r>
+              <a:rPr lang="en-US" dirty="0" smtClean="0"/>
+              <a:t>Specific parameters like Ohm, Henry or sinus wave with amplitude and frequency</a:t>
+            </a:r>
+          </a:p>
+          <a:p>
             <a:endParaRPr lang="en-US" dirty="0"/>
           </a:p>
         </p:txBody>
@@ -13422,29 +13448,6 @@
               <a:t>06.07.2018</a:t>
             </a:r>
             <a:endParaRPr lang="en-US" dirty="0"/>
-          </a:p>
-        </p:txBody>
-      </p:sp>
-      <p:sp>
-        <p:nvSpPr>
-          <p:cNvPr id="5" name="Fußzeilenplatzhalter 4"/>
-          <p:cNvSpPr>
-            <a:spLocks noGrp="1"/>
-          </p:cNvSpPr>
-          <p:nvPr>
-            <p:ph type="ftr" sz="quarter" idx="11"/>
-          </p:nvPr>
-        </p:nvSpPr>
-        <p:spPr/>
-        <p:txBody>
-          <a:bodyPr/>
-          <a:lstStyle/>
-          <a:p>
-            <a:r>
-              <a:rPr lang="de-CH" smtClean="0"/>
-              <a:t>Computer Vision (001) by Kim Gunhee – Spring 2018 Seoul Nation university</a:t>
-            </a:r>
-            <a:endParaRPr lang="en-US" dirty="0" smtClean="0"/>
           </a:p>
         </p:txBody>
       </p:sp>
@@ -13468,6 +13471,399 @@
               <a:t>11</a:t>
             </a:fld>
             <a:endParaRPr lang="en-US" dirty="0"/>
+          </a:p>
+        </p:txBody>
+      </p:sp>
+      <p:sp>
+        <p:nvSpPr>
+          <p:cNvPr id="7" name="Fußzeilenplatzhalter 6"/>
+          <p:cNvSpPr>
+            <a:spLocks noGrp="1"/>
+          </p:cNvSpPr>
+          <p:nvPr>
+            <p:ph type="ftr" sz="quarter" idx="11"/>
+          </p:nvPr>
+        </p:nvSpPr>
+        <p:spPr/>
+        <p:txBody>
+          <a:bodyPr/>
+          <a:lstStyle/>
+          <a:p>
+            <a:r>
+              <a:rPr lang="en-US" smtClean="0"/>
+              <a:t>Computer Vision (001) by Kim Gunhee – Spring 2018 Seoul National university</a:t>
+            </a:r>
+            <a:endParaRPr lang="en-US" dirty="0" smtClean="0"/>
+          </a:p>
+        </p:txBody>
+      </p:sp>
+    </p:spTree>
+    <p:extLst>
+      <p:ext uri="{BB962C8B-B14F-4D97-AF65-F5344CB8AC3E}">
+        <p14:creationId xmlns:p14="http://schemas.microsoft.com/office/powerpoint/2010/main" val="2217519288"/>
+      </p:ext>
+    </p:extLst>
+  </p:cSld>
+  <p:clrMapOvr>
+    <a:masterClrMapping/>
+  </p:clrMapOvr>
+  <p:timing>
+    <p:tnLst>
+      <p:par>
+        <p:cTn id="1" dur="indefinite" restart="never" nodeType="tmRoot"/>
+      </p:par>
+    </p:tnLst>
+  </p:timing>
+</p:sld>
+</file>
+
+<file path=ppt/slides/slide12.xml><?xml version="1.0" encoding="utf-8"?>
+<p:sld xmlns:a="http://schemas.openxmlformats.org/drawingml/2006/main" xmlns:r="http://schemas.openxmlformats.org/officeDocument/2006/relationships" xmlns:p="http://schemas.openxmlformats.org/presentationml/2006/main">
+  <p:cSld>
+    <p:spTree>
+      <p:nvGrpSpPr>
+        <p:cNvPr id="1" name=""/>
+        <p:cNvGrpSpPr/>
+        <p:nvPr/>
+      </p:nvGrpSpPr>
+      <p:grpSpPr>
+        <a:xfrm>
+          <a:off x="0" y="0"/>
+          <a:ext cx="0" cy="0"/>
+          <a:chOff x="0" y="0"/>
+          <a:chExt cx="0" cy="0"/>
+        </a:xfrm>
+      </p:grpSpPr>
+      <p:sp>
+        <p:nvSpPr>
+          <p:cNvPr id="2" name="Titel 1"/>
+          <p:cNvSpPr>
+            <a:spLocks noGrp="1"/>
+          </p:cNvSpPr>
+          <p:nvPr>
+            <p:ph type="title"/>
+          </p:nvPr>
+        </p:nvSpPr>
+        <p:spPr/>
+        <p:txBody>
+          <a:bodyPr/>
+          <a:lstStyle/>
+          <a:p>
+            <a:r>
+              <a:rPr lang="de-CH" dirty="0" err="1" smtClean="0"/>
+              <a:t>Simscape</a:t>
+            </a:r>
+            <a:r>
+              <a:rPr lang="de-CH" dirty="0" smtClean="0"/>
+              <a:t> </a:t>
+            </a:r>
+            <a:r>
+              <a:rPr lang="de-CH" dirty="0" err="1" smtClean="0"/>
+              <a:t>model</a:t>
+            </a:r>
+            <a:endParaRPr lang="en-US" dirty="0"/>
+          </a:p>
+        </p:txBody>
+      </p:sp>
+      <p:sp>
+        <p:nvSpPr>
+          <p:cNvPr id="3" name="Inhaltsplatzhalter 2"/>
+          <p:cNvSpPr>
+            <a:spLocks noGrp="1"/>
+          </p:cNvSpPr>
+          <p:nvPr>
+            <p:ph idx="1"/>
+          </p:nvPr>
+        </p:nvSpPr>
+        <p:spPr/>
+        <p:txBody>
+          <a:bodyPr/>
+          <a:lstStyle/>
+          <a:p>
+            <a:endParaRPr lang="en-US"/>
+          </a:p>
+        </p:txBody>
+      </p:sp>
+      <p:sp>
+        <p:nvSpPr>
+          <p:cNvPr id="4" name="Datumsplatzhalter 3"/>
+          <p:cNvSpPr>
+            <a:spLocks noGrp="1"/>
+          </p:cNvSpPr>
+          <p:nvPr>
+            <p:ph type="dt" sz="half" idx="10"/>
+          </p:nvPr>
+        </p:nvSpPr>
+        <p:spPr/>
+        <p:txBody>
+          <a:bodyPr/>
+          <a:lstStyle/>
+          <a:p>
+            <a:r>
+              <a:rPr lang="en-US" smtClean="0"/>
+              <a:t>06.07.2018</a:t>
+            </a:r>
+            <a:endParaRPr lang="en-US" dirty="0"/>
+          </a:p>
+        </p:txBody>
+      </p:sp>
+      <p:sp>
+        <p:nvSpPr>
+          <p:cNvPr id="6" name="Foliennummernplatzhalter 5"/>
+          <p:cNvSpPr>
+            <a:spLocks noGrp="1"/>
+          </p:cNvSpPr>
+          <p:nvPr>
+            <p:ph type="sldNum" sz="quarter" idx="12"/>
+          </p:nvPr>
+        </p:nvSpPr>
+        <p:spPr/>
+        <p:txBody>
+          <a:bodyPr/>
+          <a:lstStyle/>
+          <a:p>
+            <a:fld id="{6D22F896-40B5-4ADD-8801-0D06FADFA095}" type="slidenum">
+              <a:rPr lang="en-US" smtClean="0"/>
+              <a:t>12</a:t>
+            </a:fld>
+            <a:endParaRPr lang="en-US" dirty="0"/>
+          </a:p>
+        </p:txBody>
+      </p:sp>
+      <p:sp>
+        <p:nvSpPr>
+          <p:cNvPr id="7" name="Fußzeilenplatzhalter 6"/>
+          <p:cNvSpPr>
+            <a:spLocks noGrp="1"/>
+          </p:cNvSpPr>
+          <p:nvPr>
+            <p:ph type="ftr" sz="quarter" idx="11"/>
+          </p:nvPr>
+        </p:nvSpPr>
+        <p:spPr/>
+        <p:txBody>
+          <a:bodyPr/>
+          <a:lstStyle/>
+          <a:p>
+            <a:r>
+              <a:rPr lang="en-US" smtClean="0"/>
+              <a:t>Computer Vision (001) by Kim Gunhee – Spring 2018 Seoul National university</a:t>
+            </a:r>
+            <a:endParaRPr lang="en-US" dirty="0" smtClean="0"/>
+          </a:p>
+        </p:txBody>
+      </p:sp>
+    </p:spTree>
+    <p:extLst>
+      <p:ext uri="{BB962C8B-B14F-4D97-AF65-F5344CB8AC3E}">
+        <p14:creationId xmlns:p14="http://schemas.microsoft.com/office/powerpoint/2010/main" val="3227551523"/>
+      </p:ext>
+    </p:extLst>
+  </p:cSld>
+  <p:clrMapOvr>
+    <a:masterClrMapping/>
+  </p:clrMapOvr>
+  <p:timing>
+    <p:tnLst>
+      <p:par>
+        <p:cTn id="1" dur="indefinite" restart="never" nodeType="tmRoot"/>
+      </p:par>
+    </p:tnLst>
+  </p:timing>
+</p:sld>
+</file>
+
+<file path=ppt/slides/slide13.xml><?xml version="1.0" encoding="utf-8"?>
+<p:sld xmlns:a="http://schemas.openxmlformats.org/drawingml/2006/main" xmlns:r="http://schemas.openxmlformats.org/officeDocument/2006/relationships" xmlns:p="http://schemas.openxmlformats.org/presentationml/2006/main">
+  <p:cSld>
+    <p:spTree>
+      <p:nvGrpSpPr>
+        <p:cNvPr id="1" name=""/>
+        <p:cNvGrpSpPr/>
+        <p:nvPr/>
+      </p:nvGrpSpPr>
+      <p:grpSpPr>
+        <a:xfrm>
+          <a:off x="0" y="0"/>
+          <a:ext cx="0" cy="0"/>
+          <a:chOff x="0" y="0"/>
+          <a:chExt cx="0" cy="0"/>
+        </a:xfrm>
+      </p:grpSpPr>
+      <p:sp>
+        <p:nvSpPr>
+          <p:cNvPr id="2" name="Titel 1"/>
+          <p:cNvSpPr>
+            <a:spLocks noGrp="1"/>
+          </p:cNvSpPr>
+          <p:nvPr>
+            <p:ph type="title"/>
+          </p:nvPr>
+        </p:nvSpPr>
+        <p:spPr/>
+        <p:txBody>
+          <a:bodyPr/>
+          <a:lstStyle/>
+          <a:p>
+            <a:r>
+              <a:rPr lang="de-CH" dirty="0" smtClean="0"/>
+              <a:t>Computer </a:t>
+            </a:r>
+            <a:r>
+              <a:rPr lang="de-CH" dirty="0" err="1" smtClean="0"/>
+              <a:t>vision</a:t>
+            </a:r>
+            <a:r>
+              <a:rPr lang="de-CH" dirty="0" smtClean="0"/>
+              <a:t> </a:t>
+            </a:r>
+            <a:r>
+              <a:rPr lang="de-CH" dirty="0" err="1" smtClean="0"/>
+              <a:t>Concepts</a:t>
+            </a:r>
+            <a:endParaRPr lang="en-US" dirty="0"/>
+          </a:p>
+        </p:txBody>
+      </p:sp>
+      <p:sp>
+        <p:nvSpPr>
+          <p:cNvPr id="3" name="Inhaltsplatzhalter 2"/>
+          <p:cNvSpPr>
+            <a:spLocks noGrp="1"/>
+          </p:cNvSpPr>
+          <p:nvPr>
+            <p:ph idx="1"/>
+          </p:nvPr>
+        </p:nvSpPr>
+        <p:spPr/>
+        <p:txBody>
+          <a:bodyPr/>
+          <a:lstStyle/>
+          <a:p>
+            <a:r>
+              <a:rPr lang="de-CH" dirty="0" err="1" smtClean="0"/>
+              <a:t>Preprocessing</a:t>
+            </a:r>
+            <a:endParaRPr lang="de-CH" dirty="0" smtClean="0"/>
+          </a:p>
+          <a:p>
+            <a:pPr lvl="1"/>
+            <a:r>
+              <a:rPr lang="de-CH" dirty="0" err="1" smtClean="0"/>
+              <a:t>Rectifying</a:t>
+            </a:r>
+            <a:endParaRPr lang="de-CH" dirty="0" smtClean="0"/>
+          </a:p>
+          <a:p>
+            <a:r>
+              <a:rPr lang="de-CH" dirty="0" err="1" smtClean="0"/>
+              <a:t>Object</a:t>
+            </a:r>
+            <a:r>
+              <a:rPr lang="de-CH" dirty="0" smtClean="0"/>
+              <a:t> </a:t>
+            </a:r>
+            <a:r>
+              <a:rPr lang="de-CH" dirty="0" err="1" smtClean="0"/>
+              <a:t>detection</a:t>
+            </a:r>
+            <a:endParaRPr lang="de-CH" dirty="0" smtClean="0"/>
+          </a:p>
+          <a:p>
+            <a:pPr lvl="1"/>
+            <a:r>
+              <a:rPr lang="de-CH" dirty="0" err="1" smtClean="0"/>
+              <a:t>Sliding</a:t>
+            </a:r>
+            <a:r>
+              <a:rPr lang="de-CH" dirty="0" smtClean="0"/>
+              <a:t> </a:t>
+            </a:r>
+            <a:r>
+              <a:rPr lang="de-CH" dirty="0" err="1" smtClean="0"/>
+              <a:t>window</a:t>
+            </a:r>
+            <a:r>
+              <a:rPr lang="de-CH" dirty="0" smtClean="0"/>
+              <a:t> </a:t>
+            </a:r>
+            <a:r>
+              <a:rPr lang="de-CH" dirty="0" err="1" smtClean="0"/>
+              <a:t>algorithm</a:t>
+            </a:r>
+            <a:endParaRPr lang="de-CH" dirty="0" smtClean="0"/>
+          </a:p>
+          <a:p>
+            <a:endParaRPr lang="en-US" dirty="0"/>
+          </a:p>
+        </p:txBody>
+      </p:sp>
+      <p:sp>
+        <p:nvSpPr>
+          <p:cNvPr id="4" name="Datumsplatzhalter 3"/>
+          <p:cNvSpPr>
+            <a:spLocks noGrp="1"/>
+          </p:cNvSpPr>
+          <p:nvPr>
+            <p:ph type="dt" sz="half" idx="10"/>
+          </p:nvPr>
+        </p:nvSpPr>
+        <p:spPr/>
+        <p:txBody>
+          <a:bodyPr/>
+          <a:lstStyle/>
+          <a:p>
+            <a:r>
+              <a:rPr lang="en-US" smtClean="0"/>
+              <a:t>06.07.2018</a:t>
+            </a:r>
+            <a:endParaRPr lang="en-US" dirty="0"/>
+          </a:p>
+        </p:txBody>
+      </p:sp>
+      <p:sp>
+        <p:nvSpPr>
+          <p:cNvPr id="6" name="Foliennummernplatzhalter 5"/>
+          <p:cNvSpPr>
+            <a:spLocks noGrp="1"/>
+          </p:cNvSpPr>
+          <p:nvPr>
+            <p:ph type="sldNum" sz="quarter" idx="12"/>
+          </p:nvPr>
+        </p:nvSpPr>
+        <p:spPr/>
+        <p:txBody>
+          <a:bodyPr/>
+          <a:lstStyle/>
+          <a:p>
+            <a:fld id="{6D22F896-40B5-4ADD-8801-0D06FADFA095}" type="slidenum">
+              <a:rPr lang="en-US" smtClean="0"/>
+              <a:t>13</a:t>
+            </a:fld>
+            <a:endParaRPr lang="en-US" dirty="0"/>
+          </a:p>
+        </p:txBody>
+      </p:sp>
+      <p:sp>
+        <p:nvSpPr>
+          <p:cNvPr id="7" name="Fußzeilenplatzhalter 6"/>
+          <p:cNvSpPr>
+            <a:spLocks noGrp="1"/>
+          </p:cNvSpPr>
+          <p:nvPr>
+            <p:ph type="ftr" sz="quarter" idx="11"/>
+          </p:nvPr>
+        </p:nvSpPr>
+        <p:spPr/>
+        <p:txBody>
+          <a:bodyPr/>
+          <a:lstStyle/>
+          <a:p>
+            <a:r>
+              <a:rPr lang="en-US" smtClean="0"/>
+              <a:t>Computer Vision (001) by Kim Gunhee – Spring 2018 Seoul National university</a:t>
+            </a:r>
+            <a:endParaRPr lang="en-US" dirty="0" smtClean="0"/>
           </a:p>
         </p:txBody>
       </p:sp>
@@ -13547,212 +13943,47 @@
           <a:lstStyle/>
           <a:p>
             <a:r>
-              <a:rPr lang="de-CH" dirty="0" err="1" smtClean="0"/>
-              <a:t>Complicated</a:t>
-            </a:r>
-            <a:r>
-              <a:rPr lang="de-CH" dirty="0" smtClean="0"/>
-              <a:t> </a:t>
-            </a:r>
-            <a:r>
-              <a:rPr lang="de-CH" dirty="0" err="1" smtClean="0"/>
-              <a:t>electric</a:t>
-            </a:r>
-            <a:r>
-              <a:rPr lang="de-CH" dirty="0" smtClean="0"/>
-              <a:t> </a:t>
-            </a:r>
-            <a:r>
-              <a:rPr lang="de-CH" dirty="0" err="1" smtClean="0"/>
-              <a:t>circuits</a:t>
-            </a:r>
-            <a:r>
-              <a:rPr lang="de-CH" dirty="0" smtClean="0"/>
-              <a:t> </a:t>
-            </a:r>
-            <a:r>
-              <a:rPr lang="de-CH" dirty="0" err="1" smtClean="0"/>
-              <a:t>confuse</a:t>
-            </a:r>
-            <a:r>
-              <a:rPr lang="de-CH" dirty="0" smtClean="0"/>
-              <a:t> </a:t>
-            </a:r>
-            <a:r>
-              <a:rPr lang="de-CH" dirty="0" err="1" smtClean="0"/>
-              <a:t>unexperienced</a:t>
-            </a:r>
-            <a:r>
-              <a:rPr lang="de-CH" dirty="0" smtClean="0"/>
-              <a:t> </a:t>
-            </a:r>
-            <a:r>
-              <a:rPr lang="de-CH" dirty="0" err="1" smtClean="0"/>
-              <a:t>engineers</a:t>
-            </a:r>
-            <a:endParaRPr lang="de-CH" dirty="0" smtClean="0"/>
-          </a:p>
-          <a:p>
-            <a:r>
-              <a:rPr lang="de-CH" dirty="0" err="1" smtClean="0"/>
-              <a:t>Behaviour</a:t>
-            </a:r>
-            <a:r>
-              <a:rPr lang="de-CH" dirty="0" smtClean="0"/>
-              <a:t> </a:t>
-            </a:r>
-            <a:r>
-              <a:rPr lang="de-CH" dirty="0" err="1" smtClean="0"/>
-              <a:t>unpredictable</a:t>
-            </a:r>
-            <a:endParaRPr lang="de-CH" dirty="0" smtClean="0"/>
-          </a:p>
-          <a:p>
-            <a:r>
-              <a:rPr lang="de-CH" dirty="0" smtClean="0"/>
-              <a:t>SIMULINK </a:t>
-            </a:r>
-            <a:r>
-              <a:rPr lang="de-CH" dirty="0" err="1" smtClean="0"/>
-              <a:t>allows</a:t>
-            </a:r>
-            <a:r>
-              <a:rPr lang="de-CH" dirty="0" smtClean="0"/>
-              <a:t> </a:t>
-            </a:r>
-            <a:r>
-              <a:rPr lang="de-CH" dirty="0" err="1" smtClean="0"/>
-              <a:t>to</a:t>
-            </a:r>
-            <a:r>
-              <a:rPr lang="de-CH" dirty="0" smtClean="0"/>
-              <a:t> </a:t>
-            </a:r>
-            <a:r>
-              <a:rPr lang="de-CH" dirty="0" err="1" smtClean="0"/>
-              <a:t>simulate</a:t>
-            </a:r>
-            <a:r>
-              <a:rPr lang="de-CH" dirty="0" smtClean="0"/>
-              <a:t> </a:t>
-            </a:r>
-            <a:r>
-              <a:rPr lang="de-CH" dirty="0" err="1" smtClean="0"/>
-              <a:t>the</a:t>
-            </a:r>
-            <a:r>
-              <a:rPr lang="de-CH" dirty="0" smtClean="0"/>
-              <a:t> </a:t>
-            </a:r>
-            <a:r>
-              <a:rPr lang="de-CH" dirty="0" err="1" smtClean="0"/>
-              <a:t>behaviour</a:t>
-            </a:r>
-            <a:endParaRPr lang="de-CH" dirty="0" smtClean="0"/>
-          </a:p>
-          <a:p>
-            <a:r>
-              <a:rPr lang="de-CH" dirty="0" smtClean="0"/>
-              <a:t>This </a:t>
-            </a:r>
-            <a:r>
-              <a:rPr lang="de-CH" dirty="0" err="1" smtClean="0"/>
-              <a:t>is</a:t>
-            </a:r>
-            <a:r>
-              <a:rPr lang="de-CH" dirty="0" smtClean="0"/>
-              <a:t> </a:t>
-            </a:r>
-            <a:r>
-              <a:rPr lang="de-CH" dirty="0" err="1" smtClean="0"/>
-              <a:t>where</a:t>
-            </a:r>
-            <a:r>
-              <a:rPr lang="de-CH" dirty="0" smtClean="0"/>
-              <a:t> Computer Vision </a:t>
-            </a:r>
-            <a:r>
-              <a:rPr lang="de-CH" dirty="0" err="1" smtClean="0"/>
-              <a:t>comes</a:t>
-            </a:r>
-            <a:r>
-              <a:rPr lang="de-CH" dirty="0" smtClean="0"/>
-              <a:t> </a:t>
-            </a:r>
-            <a:r>
-              <a:rPr lang="de-CH" dirty="0" err="1" smtClean="0"/>
-              <a:t>is</a:t>
-            </a:r>
-            <a:r>
-              <a:rPr lang="de-CH" dirty="0" smtClean="0"/>
-              <a:t>:</a:t>
+              <a:rPr lang="en-US" dirty="0" smtClean="0"/>
+              <a:t>Complicated electric circuits confuse unexperienced engineers</a:t>
+            </a:r>
+          </a:p>
+          <a:p>
+            <a:r>
+              <a:rPr lang="en-US" dirty="0" smtClean="0"/>
+              <a:t>Circuit behavior unpredictable</a:t>
+            </a:r>
+          </a:p>
+          <a:p>
+            <a:r>
+              <a:rPr lang="en-US" dirty="0" smtClean="0"/>
+              <a:t>SIMULINK allows to simulate this behavior</a:t>
+            </a:r>
+          </a:p>
+          <a:p>
+            <a:r>
+              <a:rPr lang="en-US" dirty="0" smtClean="0"/>
+              <a:t>This is where Computer Vision comes is:</a:t>
             </a:r>
           </a:p>
           <a:p>
             <a:pPr lvl="1"/>
             <a:r>
-              <a:rPr lang="de-CH" dirty="0" err="1" smtClean="0"/>
-              <a:t>Analyze</a:t>
-            </a:r>
-            <a:r>
-              <a:rPr lang="de-CH" dirty="0" smtClean="0"/>
-              <a:t> </a:t>
-            </a:r>
-            <a:r>
-              <a:rPr lang="de-CH" dirty="0" err="1" smtClean="0"/>
-              <a:t>the</a:t>
-            </a:r>
-            <a:r>
-              <a:rPr lang="de-CH" dirty="0" smtClean="0"/>
-              <a:t> </a:t>
-            </a:r>
-            <a:r>
-              <a:rPr lang="de-CH" dirty="0" err="1" smtClean="0"/>
-              <a:t>circuit</a:t>
-            </a:r>
-            <a:endParaRPr lang="de-CH" dirty="0" smtClean="0"/>
+              <a:rPr lang="en-US" dirty="0" smtClean="0"/>
+              <a:t>Analyze the schematic</a:t>
+            </a:r>
           </a:p>
           <a:p>
             <a:pPr lvl="1"/>
             <a:r>
-              <a:rPr lang="de-CH" dirty="0" smtClean="0"/>
-              <a:t>Find </a:t>
-            </a:r>
-            <a:r>
-              <a:rPr lang="de-CH" dirty="0" err="1" smtClean="0"/>
-              <a:t>objects</a:t>
-            </a:r>
-            <a:r>
-              <a:rPr lang="de-CH" dirty="0" smtClean="0"/>
-              <a:t> </a:t>
-            </a:r>
-            <a:r>
-              <a:rPr lang="de-CH" dirty="0" err="1" smtClean="0"/>
-              <a:t>and</a:t>
-            </a:r>
-            <a:r>
-              <a:rPr lang="de-CH" dirty="0" smtClean="0"/>
-              <a:t> </a:t>
-            </a:r>
-            <a:r>
-              <a:rPr lang="de-CH" dirty="0" err="1" smtClean="0"/>
-              <a:t>connections</a:t>
-            </a:r>
-            <a:endParaRPr lang="de-CH" dirty="0" smtClean="0"/>
+              <a:rPr lang="en-US" dirty="0" smtClean="0"/>
+              <a:t>Find objects and connections</a:t>
+            </a:r>
           </a:p>
           <a:p>
             <a:pPr lvl="1"/>
             <a:r>
-              <a:rPr lang="de-CH" dirty="0" err="1" smtClean="0"/>
-              <a:t>Generate</a:t>
-            </a:r>
-            <a:r>
-              <a:rPr lang="de-CH" dirty="0" smtClean="0"/>
-              <a:t> SIMULINK </a:t>
-            </a:r>
-            <a:r>
-              <a:rPr lang="de-CH" dirty="0" err="1" smtClean="0"/>
-              <a:t>model</a:t>
+              <a:rPr lang="en-US" dirty="0" smtClean="0"/>
+              <a:t>Generate SIMSCAPE, a SIMULINK library, model</a:t>
             </a:r>
             <a:endParaRPr lang="en-US" dirty="0"/>
           </a:p>
@@ -13778,29 +14009,6 @@
               <a:t>06.07.2018</a:t>
             </a:r>
             <a:endParaRPr lang="en-US" dirty="0"/>
-          </a:p>
-        </p:txBody>
-      </p:sp>
-      <p:sp>
-        <p:nvSpPr>
-          <p:cNvPr id="5" name="Fußzeilenplatzhalter 4"/>
-          <p:cNvSpPr>
-            <a:spLocks noGrp="1"/>
-          </p:cNvSpPr>
-          <p:nvPr>
-            <p:ph type="ftr" sz="quarter" idx="11"/>
-          </p:nvPr>
-        </p:nvSpPr>
-        <p:spPr/>
-        <p:txBody>
-          <a:bodyPr/>
-          <a:lstStyle/>
-          <a:p>
-            <a:r>
-              <a:rPr lang="de-CH" smtClean="0"/>
-              <a:t>Computer Vision (001) by Kim Gunhee – Spring 2018 Seoul Nation university</a:t>
-            </a:r>
-            <a:endParaRPr lang="en-US" dirty="0" smtClean="0"/>
           </a:p>
         </p:txBody>
       </p:sp>
@@ -13824,6 +14032,29 @@
               <a:t>2</a:t>
             </a:fld>
             <a:endParaRPr lang="en-US" dirty="0"/>
+          </a:p>
+        </p:txBody>
+      </p:sp>
+      <p:sp>
+        <p:nvSpPr>
+          <p:cNvPr id="7" name="Fußzeilenplatzhalter 6"/>
+          <p:cNvSpPr>
+            <a:spLocks noGrp="1"/>
+          </p:cNvSpPr>
+          <p:nvPr>
+            <p:ph type="ftr" sz="quarter" idx="11"/>
+          </p:nvPr>
+        </p:nvSpPr>
+        <p:spPr/>
+        <p:txBody>
+          <a:bodyPr/>
+          <a:lstStyle/>
+          <a:p>
+            <a:r>
+              <a:rPr lang="en-US" smtClean="0"/>
+              <a:t>Computer Vision (001) by Kim Gunhee – Spring 2018 Seoul National university</a:t>
+            </a:r>
+            <a:endParaRPr lang="en-US" dirty="0" smtClean="0"/>
           </a:p>
         </p:txBody>
       </p:sp>
@@ -13914,18 +14145,13 @@
           </a:p>
           <a:p>
             <a:r>
-              <a:rPr lang="de-CH" dirty="0" err="1" smtClean="0"/>
-              <a:t>Object</a:t>
-            </a:r>
-            <a:r>
               <a:rPr lang="de-CH" dirty="0" smtClean="0"/>
-              <a:t> </a:t>
-            </a:r>
-            <a:r>
-              <a:rPr lang="de-CH" dirty="0" err="1" smtClean="0"/>
-              <a:t>Detection</a:t>
-            </a:r>
-            <a:endParaRPr lang="de-CH" dirty="0" smtClean="0"/>
+              <a:t>Image </a:t>
+            </a:r>
+            <a:r>
+              <a:rPr lang="en-US" dirty="0" smtClean="0"/>
+              <a:t>Analysis</a:t>
+            </a:r>
           </a:p>
           <a:p>
             <a:r>
@@ -13964,29 +14190,6 @@
               <a:t>06.07.2018</a:t>
             </a:r>
             <a:endParaRPr lang="en-US" dirty="0"/>
-          </a:p>
-        </p:txBody>
-      </p:sp>
-      <p:sp>
-        <p:nvSpPr>
-          <p:cNvPr id="5" name="Fußzeilenplatzhalter 4"/>
-          <p:cNvSpPr>
-            <a:spLocks noGrp="1"/>
-          </p:cNvSpPr>
-          <p:nvPr>
-            <p:ph type="ftr" sz="quarter" idx="11"/>
-          </p:nvPr>
-        </p:nvSpPr>
-        <p:spPr/>
-        <p:txBody>
-          <a:bodyPr/>
-          <a:lstStyle/>
-          <a:p>
-            <a:r>
-              <a:rPr lang="de-CH" smtClean="0"/>
-              <a:t>Computer Vision (001) by Kim Gunhee – Spring 2018 Seoul Nation university</a:t>
-            </a:r>
-            <a:endParaRPr lang="en-US" dirty="0" smtClean="0"/>
           </a:p>
         </p:txBody>
       </p:sp>
@@ -14010,6 +14213,29 @@
               <a:t>3</a:t>
             </a:fld>
             <a:endParaRPr lang="en-US" dirty="0"/>
+          </a:p>
+        </p:txBody>
+      </p:sp>
+      <p:sp>
+        <p:nvSpPr>
+          <p:cNvPr id="7" name="Fußzeilenplatzhalter 6"/>
+          <p:cNvSpPr>
+            <a:spLocks noGrp="1"/>
+          </p:cNvSpPr>
+          <p:nvPr>
+            <p:ph type="ftr" sz="quarter" idx="11"/>
+          </p:nvPr>
+        </p:nvSpPr>
+        <p:spPr/>
+        <p:txBody>
+          <a:bodyPr/>
+          <a:lstStyle/>
+          <a:p>
+            <a:r>
+              <a:rPr lang="en-US" smtClean="0"/>
+              <a:t>Computer Vision (001) by Kim Gunhee – Spring 2018 Seoul National university</a:t>
+            </a:r>
+            <a:endParaRPr lang="en-US" dirty="0" smtClean="0"/>
           </a:p>
         </p:txBody>
       </p:sp>
@@ -14096,7 +14322,7 @@
           <a:bodyPr/>
           <a:lstStyle/>
           <a:p>
-            <a:endParaRPr lang="en-US"/>
+            <a:endParaRPr lang="en-US" dirty="0"/>
           </a:p>
         </p:txBody>
       </p:sp>
@@ -14120,29 +14346,6 @@
               <a:t>06.07.2018</a:t>
             </a:r>
             <a:endParaRPr lang="en-US" dirty="0"/>
-          </a:p>
-        </p:txBody>
-      </p:sp>
-      <p:sp>
-        <p:nvSpPr>
-          <p:cNvPr id="5" name="Fußzeilenplatzhalter 4"/>
-          <p:cNvSpPr>
-            <a:spLocks noGrp="1"/>
-          </p:cNvSpPr>
-          <p:nvPr>
-            <p:ph type="ftr" sz="quarter" idx="11"/>
-          </p:nvPr>
-        </p:nvSpPr>
-        <p:spPr/>
-        <p:txBody>
-          <a:bodyPr/>
-          <a:lstStyle/>
-          <a:p>
-            <a:r>
-              <a:rPr lang="de-CH" smtClean="0"/>
-              <a:t>Computer Vision (001) by Kim Gunhee – Spring 2018 Seoul Nation university</a:t>
-            </a:r>
-            <a:endParaRPr lang="en-US" dirty="0" smtClean="0"/>
           </a:p>
         </p:txBody>
       </p:sp>
@@ -14166,6 +14369,29 @@
               <a:t>4</a:t>
             </a:fld>
             <a:endParaRPr lang="en-US" dirty="0"/>
+          </a:p>
+        </p:txBody>
+      </p:sp>
+      <p:sp>
+        <p:nvSpPr>
+          <p:cNvPr id="7" name="Fußzeilenplatzhalter 6"/>
+          <p:cNvSpPr>
+            <a:spLocks noGrp="1"/>
+          </p:cNvSpPr>
+          <p:nvPr>
+            <p:ph type="ftr" sz="quarter" idx="11"/>
+          </p:nvPr>
+        </p:nvSpPr>
+        <p:spPr/>
+        <p:txBody>
+          <a:bodyPr/>
+          <a:lstStyle/>
+          <a:p>
+            <a:r>
+              <a:rPr lang="en-US" smtClean="0"/>
+              <a:t>Computer Vision (001) by Kim Gunhee – Spring 2018 Seoul National university</a:t>
+            </a:r>
+            <a:endParaRPr lang="en-US" dirty="0" smtClean="0"/>
           </a:p>
         </p:txBody>
       </p:sp>
@@ -14277,29 +14503,6 @@
       </p:sp>
       <p:sp>
         <p:nvSpPr>
-          <p:cNvPr id="5" name="Fußzeilenplatzhalter 4"/>
-          <p:cNvSpPr>
-            <a:spLocks noGrp="1"/>
-          </p:cNvSpPr>
-          <p:nvPr>
-            <p:ph type="ftr" sz="quarter" idx="11"/>
-          </p:nvPr>
-        </p:nvSpPr>
-        <p:spPr/>
-        <p:txBody>
-          <a:bodyPr/>
-          <a:lstStyle/>
-          <a:p>
-            <a:r>
-              <a:rPr lang="de-CH" smtClean="0"/>
-              <a:t>Computer Vision (001) by Kim Gunhee – Spring 2018 Seoul Nation university</a:t>
-            </a:r>
-            <a:endParaRPr lang="en-US" dirty="0" smtClean="0"/>
-          </a:p>
-        </p:txBody>
-      </p:sp>
-      <p:sp>
-        <p:nvSpPr>
           <p:cNvPr id="6" name="Foliennummernplatzhalter 5"/>
           <p:cNvSpPr>
             <a:spLocks noGrp="1"/>
@@ -14318,6 +14521,29 @@
               <a:t>5</a:t>
             </a:fld>
             <a:endParaRPr lang="en-US" dirty="0"/>
+          </a:p>
+        </p:txBody>
+      </p:sp>
+      <p:sp>
+        <p:nvSpPr>
+          <p:cNvPr id="7" name="Fußzeilenplatzhalter 6"/>
+          <p:cNvSpPr>
+            <a:spLocks noGrp="1"/>
+          </p:cNvSpPr>
+          <p:nvPr>
+            <p:ph type="ftr" sz="quarter" idx="11"/>
+          </p:nvPr>
+        </p:nvSpPr>
+        <p:spPr/>
+        <p:txBody>
+          <a:bodyPr/>
+          <a:lstStyle/>
+          <a:p>
+            <a:r>
+              <a:rPr lang="en-US" smtClean="0"/>
+              <a:t>Computer Vision (001) by Kim Gunhee – Spring 2018 Seoul National university</a:t>
+            </a:r>
+            <a:endParaRPr lang="en-US" dirty="0" smtClean="0"/>
           </a:p>
         </p:txBody>
       </p:sp>
@@ -14375,6 +14601,39 @@
           <a:p>
             <a:r>
               <a:rPr lang="de-CH" dirty="0" smtClean="0"/>
+              <a:t>Image Analysis </a:t>
+            </a:r>
+            <a:r>
+              <a:rPr lang="de-CH" dirty="0" err="1" smtClean="0"/>
+              <a:t>Algorithm</a:t>
+            </a:r>
+            <a:endParaRPr lang="en-US" dirty="0"/>
+          </a:p>
+        </p:txBody>
+      </p:sp>
+      <p:sp>
+        <p:nvSpPr>
+          <p:cNvPr id="3" name="Inhaltsplatzhalter 2"/>
+          <p:cNvSpPr>
+            <a:spLocks noGrp="1"/>
+          </p:cNvSpPr>
+          <p:nvPr>
+            <p:ph idx="1"/>
+          </p:nvPr>
+        </p:nvSpPr>
+        <p:spPr/>
+        <p:txBody>
+          <a:bodyPr>
+            <a:normAutofit/>
+          </a:bodyPr>
+          <a:lstStyle/>
+          <a:p>
+            <a:pPr marL="457200" indent="-457200">
+              <a:buFont typeface="+mj-lt"/>
+              <a:buAutoNum type="arabicPeriod"/>
+            </a:pPr>
+            <a:r>
+              <a:rPr lang="de-CH" dirty="0" smtClean="0"/>
               <a:t>Optical </a:t>
             </a:r>
             <a:r>
@@ -14387,24 +14646,162 @@
             </a:r>
             <a:r>
               <a:rPr lang="de-CH" dirty="0" err="1" smtClean="0"/>
-              <a:t>detection</a:t>
+              <a:t>recognition</a:t>
             </a:r>
             <a:r>
               <a:rPr lang="de-CH" dirty="0" smtClean="0"/>
               <a:t> (OCR)</a:t>
             </a:r>
+          </a:p>
+          <a:p>
+            <a:pPr lvl="1"/>
+            <a:r>
+              <a:rPr lang="de-CH" dirty="0" smtClean="0"/>
+              <a:t>Find </a:t>
+            </a:r>
+            <a:r>
+              <a:rPr lang="de-CH" dirty="0" err="1" smtClean="0"/>
+              <a:t>and</a:t>
+            </a:r>
+            <a:r>
+              <a:rPr lang="de-CH" dirty="0" smtClean="0"/>
+              <a:t> </a:t>
+            </a:r>
+            <a:r>
+              <a:rPr lang="de-CH" dirty="0" err="1" smtClean="0"/>
+              <a:t>remove</a:t>
+            </a:r>
+            <a:r>
+              <a:rPr lang="de-CH" dirty="0" smtClean="0"/>
+              <a:t> Text</a:t>
+            </a:r>
+          </a:p>
+          <a:p>
+            <a:pPr marL="457200" indent="-457200">
+              <a:buFont typeface="+mj-lt"/>
+              <a:buAutoNum type="arabicPeriod"/>
+            </a:pPr>
+            <a:r>
+              <a:rPr lang="de-CH" dirty="0" smtClean="0"/>
+              <a:t>Hough </a:t>
+            </a:r>
+            <a:r>
+              <a:rPr lang="de-CH" dirty="0" err="1" smtClean="0"/>
+              <a:t>transform</a:t>
+            </a:r>
+            <a:endParaRPr lang="de-CH" dirty="0" smtClean="0"/>
+          </a:p>
+          <a:p>
+            <a:pPr lvl="1"/>
+            <a:r>
+              <a:rPr lang="de-CH" dirty="0" smtClean="0"/>
+              <a:t>Find </a:t>
+            </a:r>
+            <a:r>
+              <a:rPr lang="de-CH" dirty="0" err="1" smtClean="0"/>
+              <a:t>scale</a:t>
+            </a:r>
+            <a:endParaRPr lang="de-CH" dirty="0" smtClean="0"/>
+          </a:p>
+          <a:p>
+            <a:pPr marL="457200" indent="-457200">
+              <a:buFont typeface="+mj-lt"/>
+              <a:buAutoNum type="arabicPeriod"/>
+            </a:pPr>
+            <a:r>
+              <a:rPr lang="de-CH" dirty="0" err="1" smtClean="0"/>
+              <a:t>Object</a:t>
+            </a:r>
+            <a:r>
+              <a:rPr lang="de-CH" dirty="0" smtClean="0"/>
+              <a:t> </a:t>
+            </a:r>
+            <a:r>
+              <a:rPr lang="de-CH" dirty="0" err="1" smtClean="0"/>
+              <a:t>detection</a:t>
+            </a:r>
+            <a:endParaRPr lang="de-CH" dirty="0" smtClean="0"/>
+          </a:p>
+          <a:p>
+            <a:pPr lvl="1"/>
+            <a:r>
+              <a:rPr lang="de-CH" dirty="0" smtClean="0"/>
+              <a:t>Find, </a:t>
+            </a:r>
+            <a:r>
+              <a:rPr lang="de-CH" dirty="0" err="1" smtClean="0"/>
+              <a:t>classify</a:t>
+            </a:r>
+            <a:r>
+              <a:rPr lang="de-CH" dirty="0" smtClean="0"/>
+              <a:t> </a:t>
+            </a:r>
+            <a:r>
+              <a:rPr lang="de-CH" dirty="0" err="1" smtClean="0"/>
+              <a:t>and</a:t>
+            </a:r>
+            <a:r>
+              <a:rPr lang="de-CH" dirty="0" smtClean="0"/>
+              <a:t> </a:t>
+            </a:r>
+            <a:r>
+              <a:rPr lang="de-CH" dirty="0" err="1" smtClean="0"/>
+              <a:t>remove</a:t>
+            </a:r>
+            <a:r>
+              <a:rPr lang="de-CH" dirty="0" smtClean="0"/>
+              <a:t> </a:t>
+            </a:r>
+            <a:r>
+              <a:rPr lang="de-CH" dirty="0" err="1" smtClean="0"/>
+              <a:t>electrical</a:t>
+            </a:r>
+            <a:r>
+              <a:rPr lang="de-CH" dirty="0" smtClean="0"/>
+              <a:t> </a:t>
+            </a:r>
+            <a:r>
+              <a:rPr lang="de-CH" dirty="0" err="1" smtClean="0"/>
+              <a:t>elements</a:t>
+            </a:r>
+            <a:endParaRPr lang="de-CH" dirty="0" smtClean="0"/>
+          </a:p>
+          <a:p>
+            <a:pPr marL="457200" indent="-457200">
+              <a:buFont typeface="+mj-lt"/>
+              <a:buAutoNum type="arabicPeriod"/>
+            </a:pPr>
+            <a:r>
+              <a:rPr lang="de-CH" dirty="0" err="1" smtClean="0"/>
+              <a:t>Wire</a:t>
+            </a:r>
+            <a:r>
+              <a:rPr lang="de-CH" dirty="0" smtClean="0"/>
+              <a:t> </a:t>
+            </a:r>
+            <a:r>
+              <a:rPr lang="de-CH" dirty="0" err="1" smtClean="0"/>
+              <a:t>detection</a:t>
+            </a:r>
+            <a:endParaRPr lang="de-CH" dirty="0" smtClean="0"/>
+          </a:p>
+          <a:p>
+            <a:pPr marL="457200" indent="-457200">
+              <a:buFont typeface="+mj-lt"/>
+              <a:buAutoNum type="arabicPeriod"/>
+            </a:pPr>
             <a:endParaRPr lang="en-US" dirty="0"/>
           </a:p>
         </p:txBody>
       </p:sp>
       <p:sp>
         <p:nvSpPr>
-          <p:cNvPr id="3" name="Inhaltsplatzhalter 2"/>
-          <p:cNvSpPr>
-            <a:spLocks noGrp="1"/>
-          </p:cNvSpPr>
-          <p:nvPr>
-            <p:ph idx="1"/>
+          <p:cNvPr id="4" name="Datumsplatzhalter 3"/>
+          <p:cNvSpPr>
+            <a:spLocks noGrp="1"/>
+          </p:cNvSpPr>
+          <p:nvPr>
+            <p:ph type="dt" sz="half" idx="10"/>
           </p:nvPr>
         </p:nvSpPr>
         <p:spPr/>
@@ -14412,53 +14809,11 @@
           <a:bodyPr/>
           <a:lstStyle/>
           <a:p>
-            <a:endParaRPr lang="en-US"/>
-          </a:p>
-        </p:txBody>
-      </p:sp>
-      <p:sp>
-        <p:nvSpPr>
-          <p:cNvPr id="4" name="Datumsplatzhalter 3"/>
-          <p:cNvSpPr>
-            <a:spLocks noGrp="1"/>
-          </p:cNvSpPr>
-          <p:nvPr>
-            <p:ph type="dt" sz="half" idx="10"/>
-          </p:nvPr>
-        </p:nvSpPr>
-        <p:spPr/>
-        <p:txBody>
-          <a:bodyPr/>
-          <a:lstStyle/>
-          <a:p>
             <a:r>
               <a:rPr lang="en-US" smtClean="0"/>
               <a:t>06.07.2018</a:t>
             </a:r>
             <a:endParaRPr lang="en-US" dirty="0"/>
-          </a:p>
-        </p:txBody>
-      </p:sp>
-      <p:sp>
-        <p:nvSpPr>
-          <p:cNvPr id="5" name="Fußzeilenplatzhalter 4"/>
-          <p:cNvSpPr>
-            <a:spLocks noGrp="1"/>
-          </p:cNvSpPr>
-          <p:nvPr>
-            <p:ph type="ftr" sz="quarter" idx="11"/>
-          </p:nvPr>
-        </p:nvSpPr>
-        <p:spPr/>
-        <p:txBody>
-          <a:bodyPr/>
-          <a:lstStyle/>
-          <a:p>
-            <a:r>
-              <a:rPr lang="de-CH" smtClean="0"/>
-              <a:t>Computer Vision (001) by Kim Gunhee – Spring 2018 Seoul Nation university</a:t>
-            </a:r>
-            <a:endParaRPr lang="en-US" dirty="0" smtClean="0"/>
           </a:p>
         </p:txBody>
       </p:sp>
@@ -14485,10 +14840,33 @@
           </a:p>
         </p:txBody>
       </p:sp>
+      <p:sp>
+        <p:nvSpPr>
+          <p:cNvPr id="7" name="Fußzeilenplatzhalter 6"/>
+          <p:cNvSpPr>
+            <a:spLocks noGrp="1"/>
+          </p:cNvSpPr>
+          <p:nvPr>
+            <p:ph type="ftr" sz="quarter" idx="11"/>
+          </p:nvPr>
+        </p:nvSpPr>
+        <p:spPr/>
+        <p:txBody>
+          <a:bodyPr/>
+          <a:lstStyle/>
+          <a:p>
+            <a:r>
+              <a:rPr lang="en-US" smtClean="0"/>
+              <a:t>Computer Vision (001) by Kim Gunhee – Spring 2018 Seoul National university</a:t>
+            </a:r>
+            <a:endParaRPr lang="en-US" dirty="0" smtClean="0"/>
+          </a:p>
+        </p:txBody>
+      </p:sp>
     </p:spTree>
     <p:extLst>
       <p:ext uri="{BB962C8B-B14F-4D97-AF65-F5344CB8AC3E}">
-        <p14:creationId xmlns:p14="http://schemas.microsoft.com/office/powerpoint/2010/main" val="917824326"/>
+        <p14:creationId xmlns:p14="http://schemas.microsoft.com/office/powerpoint/2010/main" val="2373172370"/>
       </p:ext>
     </p:extLst>
   </p:cSld>
@@ -14538,8 +14916,12 @@
           <a:lstStyle/>
           <a:p>
             <a:r>
+              <a:rPr lang="de-CH" dirty="0" smtClean="0"/>
+              <a:t>Optical </a:t>
+            </a:r>
+            <a:r>
               <a:rPr lang="de-CH" dirty="0" err="1" smtClean="0"/>
-              <a:t>Object</a:t>
+              <a:t>character</a:t>
             </a:r>
             <a:r>
               <a:rPr lang="de-CH" dirty="0" smtClean="0"/>
@@ -14547,7 +14929,11 @@
             </a:r>
             <a:r>
               <a:rPr lang="de-CH" dirty="0" err="1" smtClean="0"/>
-              <a:t>Detection</a:t>
+              <a:t>detection</a:t>
+            </a:r>
+            <a:r>
+              <a:rPr lang="de-CH" dirty="0" smtClean="0"/>
+              <a:t> (OCR)</a:t>
             </a:r>
             <a:endParaRPr lang="en-US" dirty="0"/>
           </a:p>
@@ -14592,29 +14978,6 @@
               <a:t>06.07.2018</a:t>
             </a:r>
             <a:endParaRPr lang="en-US" dirty="0"/>
-          </a:p>
-        </p:txBody>
-      </p:sp>
-      <p:sp>
-        <p:nvSpPr>
-          <p:cNvPr id="5" name="Fußzeilenplatzhalter 4"/>
-          <p:cNvSpPr>
-            <a:spLocks noGrp="1"/>
-          </p:cNvSpPr>
-          <p:nvPr>
-            <p:ph type="ftr" sz="quarter" idx="11"/>
-          </p:nvPr>
-        </p:nvSpPr>
-        <p:spPr/>
-        <p:txBody>
-          <a:bodyPr/>
-          <a:lstStyle/>
-          <a:p>
-            <a:r>
-              <a:rPr lang="de-CH" smtClean="0"/>
-              <a:t>Computer Vision (001) by Kim Gunhee – Spring 2018 Seoul Nation university</a:t>
-            </a:r>
-            <a:endParaRPr lang="en-US" dirty="0" smtClean="0"/>
           </a:p>
         </p:txBody>
       </p:sp>
@@ -14641,10 +15004,33 @@
           </a:p>
         </p:txBody>
       </p:sp>
+      <p:sp>
+        <p:nvSpPr>
+          <p:cNvPr id="7" name="Fußzeilenplatzhalter 6"/>
+          <p:cNvSpPr>
+            <a:spLocks noGrp="1"/>
+          </p:cNvSpPr>
+          <p:nvPr>
+            <p:ph type="ftr" sz="quarter" idx="11"/>
+          </p:nvPr>
+        </p:nvSpPr>
+        <p:spPr/>
+        <p:txBody>
+          <a:bodyPr/>
+          <a:lstStyle/>
+          <a:p>
+            <a:r>
+              <a:rPr lang="en-US" smtClean="0"/>
+              <a:t>Computer Vision (001) by Kim Gunhee – Spring 2018 Seoul National university</a:t>
+            </a:r>
+            <a:endParaRPr lang="en-US" dirty="0" smtClean="0"/>
+          </a:p>
+        </p:txBody>
+      </p:sp>
     </p:spTree>
     <p:extLst>
       <p:ext uri="{BB962C8B-B14F-4D97-AF65-F5344CB8AC3E}">
-        <p14:creationId xmlns:p14="http://schemas.microsoft.com/office/powerpoint/2010/main" val="2373172370"/>
+        <p14:creationId xmlns:p14="http://schemas.microsoft.com/office/powerpoint/2010/main" val="917824326"/>
       </p:ext>
     </p:extLst>
   </p:cSld>
@@ -14749,29 +15135,6 @@
       </p:sp>
       <p:sp>
         <p:nvSpPr>
-          <p:cNvPr id="5" name="Fußzeilenplatzhalter 4"/>
-          <p:cNvSpPr>
-            <a:spLocks noGrp="1"/>
-          </p:cNvSpPr>
-          <p:nvPr>
-            <p:ph type="ftr" sz="quarter" idx="11"/>
-          </p:nvPr>
-        </p:nvSpPr>
-        <p:spPr/>
-        <p:txBody>
-          <a:bodyPr/>
-          <a:lstStyle/>
-          <a:p>
-            <a:r>
-              <a:rPr lang="de-CH" smtClean="0"/>
-              <a:t>Computer Vision (001) by Kim Gunhee – Spring 2018 Seoul Nation university</a:t>
-            </a:r>
-            <a:endParaRPr lang="en-US" dirty="0" smtClean="0"/>
-          </a:p>
-        </p:txBody>
-      </p:sp>
-      <p:sp>
-        <p:nvSpPr>
           <p:cNvPr id="6" name="Foliennummernplatzhalter 5"/>
           <p:cNvSpPr>
             <a:spLocks noGrp="1"/>
@@ -14790,6 +15153,29 @@
               <a:t>8</a:t>
             </a:fld>
             <a:endParaRPr lang="en-US" dirty="0"/>
+          </a:p>
+        </p:txBody>
+      </p:sp>
+      <p:sp>
+        <p:nvSpPr>
+          <p:cNvPr id="7" name="Fußzeilenplatzhalter 6"/>
+          <p:cNvSpPr>
+            <a:spLocks noGrp="1"/>
+          </p:cNvSpPr>
+          <p:nvPr>
+            <p:ph type="ftr" sz="quarter" idx="11"/>
+          </p:nvPr>
+        </p:nvSpPr>
+        <p:spPr/>
+        <p:txBody>
+          <a:bodyPr/>
+          <a:lstStyle/>
+          <a:p>
+            <a:r>
+              <a:rPr lang="en-US" smtClean="0"/>
+              <a:t>Computer Vision (001) by Kim Gunhee – Spring 2018 Seoul National university</a:t>
+            </a:r>
+            <a:endParaRPr lang="en-US" dirty="0" smtClean="0"/>
           </a:p>
         </p:txBody>
       </p:sp>
@@ -14846,12 +15232,16 @@
           <a:lstStyle/>
           <a:p>
             <a:r>
+              <a:rPr lang="de-CH" dirty="0" err="1" smtClean="0"/>
+              <a:t>Object</a:t>
+            </a:r>
+            <a:r>
               <a:rPr lang="de-CH" dirty="0" smtClean="0"/>
-              <a:t>Output </a:t>
+              <a:t> </a:t>
             </a:r>
             <a:r>
               <a:rPr lang="de-CH" dirty="0" err="1" smtClean="0"/>
-              <a:t>generation</a:t>
+              <a:t>detection</a:t>
             </a:r>
             <a:endParaRPr lang="en-US" dirty="0"/>
           </a:p>
@@ -14872,154 +15262,7 @@
           <a:bodyPr/>
           <a:lstStyle/>
           <a:p>
-            <a:r>
-              <a:rPr lang="de-CH" dirty="0" smtClean="0"/>
-              <a:t>Objects in </a:t>
-            </a:r>
-            <a:r>
-              <a:rPr lang="de-CH" dirty="0" err="1" smtClean="0"/>
-              <a:t>the</a:t>
-            </a:r>
-            <a:r>
-              <a:rPr lang="de-CH" dirty="0" smtClean="0"/>
-              <a:t> </a:t>
-            </a:r>
-            <a:r>
-              <a:rPr lang="de-CH" dirty="0" err="1" smtClean="0"/>
-              <a:t>Simscape</a:t>
-            </a:r>
-            <a:r>
-              <a:rPr lang="de-CH" dirty="0" smtClean="0"/>
-              <a:t> </a:t>
-            </a:r>
-            <a:r>
-              <a:rPr lang="de-CH" dirty="0" err="1" smtClean="0"/>
-              <a:t>electrical</a:t>
-            </a:r>
-            <a:r>
-              <a:rPr lang="de-CH" dirty="0" smtClean="0"/>
-              <a:t> </a:t>
-            </a:r>
-            <a:r>
-              <a:rPr lang="de-CH" dirty="0" err="1" smtClean="0"/>
-              <a:t>component</a:t>
-            </a:r>
-            <a:r>
-              <a:rPr lang="de-CH" dirty="0" smtClean="0"/>
-              <a:t> </a:t>
-            </a:r>
-            <a:r>
-              <a:rPr lang="de-CH" dirty="0" err="1" smtClean="0"/>
-              <a:t>library</a:t>
-            </a:r>
-            <a:r>
-              <a:rPr lang="de-CH" dirty="0" smtClean="0"/>
-              <a:t> </a:t>
-            </a:r>
-            <a:r>
-              <a:rPr lang="de-CH" dirty="0" err="1" smtClean="0"/>
-              <a:t>have</a:t>
-            </a:r>
-            <a:r>
-              <a:rPr lang="de-CH" dirty="0" smtClean="0"/>
-              <a:t>:</a:t>
-            </a:r>
-          </a:p>
-          <a:p>
-            <a:pPr lvl="1"/>
-            <a:r>
-              <a:rPr lang="de-CH" dirty="0" err="1" smtClean="0"/>
-              <a:t>Coordinates</a:t>
-            </a:r>
-            <a:endParaRPr lang="de-CH" dirty="0" smtClean="0"/>
-          </a:p>
-          <a:p>
-            <a:pPr lvl="1"/>
-            <a:r>
-              <a:rPr lang="de-CH" dirty="0" smtClean="0"/>
-              <a:t>Size</a:t>
-            </a:r>
-          </a:p>
-          <a:p>
-            <a:pPr lvl="1"/>
-            <a:r>
-              <a:rPr lang="de-CH" dirty="0" smtClean="0"/>
-              <a:t>Orientation</a:t>
-            </a:r>
-          </a:p>
-          <a:p>
-            <a:pPr lvl="1"/>
-            <a:r>
-              <a:rPr lang="de-CH" dirty="0" smtClean="0"/>
-              <a:t>Ports</a:t>
-            </a:r>
-          </a:p>
-          <a:p>
-            <a:pPr lvl="1"/>
-            <a:r>
-              <a:rPr lang="de-CH" dirty="0" err="1" smtClean="0"/>
-              <a:t>Specific</a:t>
-            </a:r>
-            <a:r>
-              <a:rPr lang="de-CH" dirty="0" smtClean="0"/>
-              <a:t> </a:t>
-            </a:r>
-            <a:r>
-              <a:rPr lang="de-CH" dirty="0" err="1" smtClean="0"/>
-              <a:t>parameters</a:t>
-            </a:r>
-            <a:r>
-              <a:rPr lang="de-CH" dirty="0" smtClean="0"/>
-              <a:t> like Ohm, Henry </a:t>
-            </a:r>
-            <a:r>
-              <a:rPr lang="de-CH" dirty="0" err="1" smtClean="0"/>
-              <a:t>or</a:t>
-            </a:r>
-            <a:r>
-              <a:rPr lang="de-CH" dirty="0" smtClean="0"/>
-              <a:t> </a:t>
-            </a:r>
-            <a:r>
-              <a:rPr lang="de-CH" dirty="0" err="1" smtClean="0"/>
-              <a:t>Sinwave</a:t>
-            </a:r>
-            <a:r>
-              <a:rPr lang="de-CH" dirty="0" smtClean="0"/>
-              <a:t> </a:t>
-            </a:r>
-            <a:r>
-              <a:rPr lang="de-CH" dirty="0" err="1" smtClean="0"/>
-              <a:t>with</a:t>
-            </a:r>
-            <a:r>
-              <a:rPr lang="de-CH" dirty="0" smtClean="0"/>
-              <a:t> </a:t>
-            </a:r>
-            <a:r>
-              <a:rPr lang="de-CH" dirty="0" err="1" smtClean="0"/>
-              <a:t>amplitude</a:t>
-            </a:r>
-            <a:r>
-              <a:rPr lang="de-CH" dirty="0" smtClean="0"/>
-              <a:t> </a:t>
-            </a:r>
-            <a:r>
-              <a:rPr lang="de-CH" dirty="0" err="1" smtClean="0"/>
-              <a:t>and</a:t>
-            </a:r>
-            <a:r>
-              <a:rPr lang="de-CH" dirty="0" smtClean="0"/>
-              <a:t> </a:t>
-            </a:r>
-            <a:r>
-              <a:rPr lang="de-CH" dirty="0" err="1" smtClean="0"/>
-              <a:t>frequency</a:t>
-            </a:r>
-            <a:endParaRPr lang="de-CH" dirty="0" smtClean="0"/>
-          </a:p>
-          <a:p>
-            <a:endParaRPr lang="en-US" dirty="0"/>
+            <a:endParaRPr lang="en-US"/>
           </a:p>
         </p:txBody>
       </p:sp>
@@ -15043,29 +15286,6 @@
               <a:t>06.07.2018</a:t>
             </a:r>
             <a:endParaRPr lang="en-US" dirty="0"/>
-          </a:p>
-        </p:txBody>
-      </p:sp>
-      <p:sp>
-        <p:nvSpPr>
-          <p:cNvPr id="5" name="Fußzeilenplatzhalter 4"/>
-          <p:cNvSpPr>
-            <a:spLocks noGrp="1"/>
-          </p:cNvSpPr>
-          <p:nvPr>
-            <p:ph type="ftr" sz="quarter" idx="11"/>
-          </p:nvPr>
-        </p:nvSpPr>
-        <p:spPr/>
-        <p:txBody>
-          <a:bodyPr/>
-          <a:lstStyle/>
-          <a:p>
-            <a:r>
-              <a:rPr lang="de-CH" smtClean="0"/>
-              <a:t>Computer Vision (001) by Kim Gunhee – Spring 2018 Seoul Nation university</a:t>
-            </a:r>
-            <a:endParaRPr lang="en-US" dirty="0" smtClean="0"/>
           </a:p>
         </p:txBody>
       </p:sp>
@@ -15092,10 +15312,33 @@
           </a:p>
         </p:txBody>
       </p:sp>
+      <p:sp>
+        <p:nvSpPr>
+          <p:cNvPr id="7" name="Fußzeilenplatzhalter 6"/>
+          <p:cNvSpPr>
+            <a:spLocks noGrp="1"/>
+          </p:cNvSpPr>
+          <p:nvPr>
+            <p:ph type="ftr" sz="quarter" idx="11"/>
+          </p:nvPr>
+        </p:nvSpPr>
+        <p:spPr/>
+        <p:txBody>
+          <a:bodyPr/>
+          <a:lstStyle/>
+          <a:p>
+            <a:r>
+              <a:rPr lang="en-US" smtClean="0"/>
+              <a:t>Computer Vision (001) by Kim Gunhee – Spring 2018 Seoul National university</a:t>
+            </a:r>
+            <a:endParaRPr lang="en-US" dirty="0" smtClean="0"/>
+          </a:p>
+        </p:txBody>
+      </p:sp>
     </p:spTree>
     <p:extLst>
       <p:ext uri="{BB962C8B-B14F-4D97-AF65-F5344CB8AC3E}">
-        <p14:creationId xmlns:p14="http://schemas.microsoft.com/office/powerpoint/2010/main" val="2217519288"/>
+        <p14:creationId xmlns:p14="http://schemas.microsoft.com/office/powerpoint/2010/main" val="326592059"/>
       </p:ext>
     </p:extLst>
   </p:cSld>

--- a/presentation/CV_Proj_Presentation_2.pptx
+++ b/presentation/CV_Proj_Presentation_2.pptx
@@ -4765,35 +4765,7 @@
           <a:p>
             <a:r>
               <a:rPr lang="en-US" smtClean="0"/>
-              <a:t>06.07.2018</a:t>
-            </a:r>
-            <a:endParaRPr lang="en-US" dirty="0"/>
-          </a:p>
-        </p:txBody>
-      </p:sp>
-      <p:sp>
-        <p:nvSpPr>
-          <p:cNvPr id="5" name="Footer Placeholder 4"/>
-          <p:cNvSpPr>
-            <a:spLocks noGrp="1"/>
-          </p:cNvSpPr>
-          <p:nvPr>
-            <p:ph type="ftr" sz="quarter" idx="11"/>
-          </p:nvPr>
-        </p:nvSpPr>
-        <p:spPr>
-          <a:xfrm>
-            <a:off x="1876424" y="5410201"/>
-            <a:ext cx="5124886" cy="365125"/>
-          </a:xfrm>
-        </p:spPr>
-        <p:txBody>
-          <a:bodyPr/>
-          <a:lstStyle/>
-          <a:p>
-            <a:r>
-              <a:rPr lang="en-US" smtClean="0"/>
-              <a:t>Computer Vision (001) by Kim Gunhee – Spring 2018 Seoul National university</a:t>
+              <a:t>06.08.2018</a:t>
             </a:r>
             <a:endParaRPr lang="en-US" dirty="0"/>
           </a:p>
@@ -5038,7 +5010,7 @@
           <a:p>
             <a:r>
               <a:rPr lang="en-US" smtClean="0"/>
-              <a:t>06.07.2018</a:t>
+              <a:t>06.08.2018</a:t>
             </a:r>
             <a:endParaRPr lang="en-US" dirty="0"/>
           </a:p>
@@ -5054,7 +5026,15 @@
             <p:ph type="ftr" sz="quarter" idx="11"/>
           </p:nvPr>
         </p:nvSpPr>
-        <p:spPr/>
+        <p:spPr>
+          <a:xfrm>
+            <a:off x="1141411" y="5883275"/>
+            <a:ext cx="6239309" cy="365125"/>
+          </a:xfrm>
+          <a:prstGeom prst="rect">
+            <a:avLst/>
+          </a:prstGeom>
+        </p:spPr>
         <p:txBody>
           <a:bodyPr/>
           <a:lstStyle/>
@@ -5240,7 +5220,7 @@
           <a:p>
             <a:r>
               <a:rPr lang="en-US" smtClean="0"/>
-              <a:t>06.07.2018</a:t>
+              <a:t>06.08.2018</a:t>
             </a:r>
             <a:endParaRPr lang="en-US" dirty="0"/>
           </a:p>
@@ -5256,7 +5236,15 @@
             <p:ph type="ftr" sz="quarter" idx="11"/>
           </p:nvPr>
         </p:nvSpPr>
-        <p:spPr/>
+        <p:spPr>
+          <a:xfrm>
+            <a:off x="1141411" y="5883275"/>
+            <a:ext cx="6239309" cy="365125"/>
+          </a:xfrm>
+          <a:prstGeom prst="rect">
+            <a:avLst/>
+          </a:prstGeom>
+        </p:spPr>
         <p:txBody>
           <a:bodyPr/>
           <a:lstStyle/>
@@ -5502,7 +5490,7 @@
           <a:p>
             <a:r>
               <a:rPr lang="en-US" smtClean="0"/>
-              <a:t>06.07.2018</a:t>
+              <a:t>06.08.2018</a:t>
             </a:r>
             <a:endParaRPr lang="en-US" dirty="0"/>
           </a:p>
@@ -5518,7 +5506,15 @@
             <p:ph type="ftr" sz="quarter" idx="11"/>
           </p:nvPr>
         </p:nvSpPr>
-        <p:spPr/>
+        <p:spPr>
+          <a:xfrm>
+            <a:off x="1141411" y="5883275"/>
+            <a:ext cx="6239309" cy="365125"/>
+          </a:xfrm>
+          <a:prstGeom prst="rect">
+            <a:avLst/>
+          </a:prstGeom>
+        </p:spPr>
         <p:txBody>
           <a:bodyPr/>
           <a:lstStyle/>
@@ -5935,7 +5931,7 @@
           <a:p>
             <a:r>
               <a:rPr lang="en-US" smtClean="0"/>
-              <a:t>06.07.2018</a:t>
+              <a:t>06.08.2018</a:t>
             </a:r>
             <a:endParaRPr lang="en-US" dirty="0"/>
           </a:p>
@@ -5951,7 +5947,15 @@
             <p:ph type="ftr" sz="quarter" idx="11"/>
           </p:nvPr>
         </p:nvSpPr>
-        <p:spPr/>
+        <p:spPr>
+          <a:xfrm>
+            <a:off x="1141411" y="5883275"/>
+            <a:ext cx="6239309" cy="365125"/>
+          </a:xfrm>
+          <a:prstGeom prst="rect">
+            <a:avLst/>
+          </a:prstGeom>
+        </p:spPr>
         <p:txBody>
           <a:bodyPr/>
           <a:lstStyle/>
@@ -6480,7 +6484,7 @@
           <a:p>
             <a:r>
               <a:rPr lang="en-US" smtClean="0"/>
-              <a:t>06.07.2018</a:t>
+              <a:t>06.08.2018</a:t>
             </a:r>
             <a:endParaRPr lang="en-US" dirty="0"/>
           </a:p>
@@ -6496,7 +6500,15 @@
             <p:ph type="ftr" sz="quarter" idx="11"/>
           </p:nvPr>
         </p:nvSpPr>
-        <p:spPr/>
+        <p:spPr>
+          <a:xfrm>
+            <a:off x="1141411" y="5883275"/>
+            <a:ext cx="6239309" cy="365125"/>
+          </a:xfrm>
+          <a:prstGeom prst="rect">
+            <a:avLst/>
+          </a:prstGeom>
+        </p:spPr>
         <p:txBody>
           <a:bodyPr/>
           <a:lstStyle/>
@@ -7199,7 +7211,7 @@
           <a:p>
             <a:r>
               <a:rPr lang="en-US" smtClean="0"/>
-              <a:t>06.07.2018</a:t>
+              <a:t>06.08.2018</a:t>
             </a:r>
             <a:endParaRPr lang="en-US" dirty="0"/>
           </a:p>
@@ -7215,7 +7227,15 @@
             <p:ph type="ftr" sz="quarter" idx="11"/>
           </p:nvPr>
         </p:nvSpPr>
-        <p:spPr/>
+        <p:spPr>
+          <a:xfrm>
+            <a:off x="1141411" y="5883275"/>
+            <a:ext cx="6239309" cy="365125"/>
+          </a:xfrm>
+          <a:prstGeom prst="rect">
+            <a:avLst/>
+          </a:prstGeom>
+        </p:spPr>
         <p:txBody>
           <a:bodyPr/>
           <a:lstStyle/>
@@ -7368,7 +7388,7 @@
           <a:p>
             <a:r>
               <a:rPr lang="en-US" smtClean="0"/>
-              <a:t>06.07.2018</a:t>
+              <a:t>06.08.2018</a:t>
             </a:r>
             <a:endParaRPr lang="en-US" dirty="0"/>
           </a:p>
@@ -7384,7 +7404,15 @@
             <p:ph type="ftr" sz="quarter" idx="11"/>
           </p:nvPr>
         </p:nvSpPr>
-        <p:spPr/>
+        <p:spPr>
+          <a:xfrm>
+            <a:off x="1141411" y="5883275"/>
+            <a:ext cx="6239309" cy="365125"/>
+          </a:xfrm>
+          <a:prstGeom prst="rect">
+            <a:avLst/>
+          </a:prstGeom>
+        </p:spPr>
         <p:txBody>
           <a:bodyPr/>
           <a:lstStyle/>
@@ -7547,7 +7575,7 @@
           <a:p>
             <a:r>
               <a:rPr lang="en-US" smtClean="0"/>
-              <a:t>06.07.2018</a:t>
+              <a:t>06.08.2018</a:t>
             </a:r>
             <a:endParaRPr lang="en-US" dirty="0"/>
           </a:p>
@@ -7563,7 +7591,15 @@
             <p:ph type="ftr" sz="quarter" idx="11"/>
           </p:nvPr>
         </p:nvSpPr>
-        <p:spPr/>
+        <p:spPr>
+          <a:xfrm>
+            <a:off x="1141411" y="5883275"/>
+            <a:ext cx="6239309" cy="365125"/>
+          </a:xfrm>
+          <a:prstGeom prst="rect">
+            <a:avLst/>
+          </a:prstGeom>
+        </p:spPr>
         <p:txBody>
           <a:bodyPr/>
           <a:lstStyle/>
@@ -7716,7 +7752,7 @@
           <a:p>
             <a:r>
               <a:rPr lang="en-US" smtClean="0"/>
-              <a:t>06.07.2018</a:t>
+              <a:t>06.08.2018</a:t>
             </a:r>
             <a:endParaRPr lang="en-US" dirty="0"/>
           </a:p>
@@ -7732,7 +7768,15 @@
             <p:ph type="ftr" sz="quarter" idx="11"/>
           </p:nvPr>
         </p:nvSpPr>
-        <p:spPr/>
+        <p:spPr>
+          <a:xfrm>
+            <a:off x="1141411" y="5883275"/>
+            <a:ext cx="6239309" cy="365125"/>
+          </a:xfrm>
+          <a:prstGeom prst="rect">
+            <a:avLst/>
+          </a:prstGeom>
+        </p:spPr>
         <p:txBody>
           <a:bodyPr/>
           <a:lstStyle/>
@@ -7972,7 +8016,7 @@
           <a:p>
             <a:r>
               <a:rPr lang="en-US" smtClean="0"/>
-              <a:t>06.07.2018</a:t>
+              <a:t>06.08.2018</a:t>
             </a:r>
             <a:endParaRPr lang="en-US" dirty="0"/>
           </a:p>
@@ -7988,7 +8032,15 @@
             <p:ph type="ftr" sz="quarter" idx="11"/>
           </p:nvPr>
         </p:nvSpPr>
-        <p:spPr/>
+        <p:spPr>
+          <a:xfrm>
+            <a:off x="1141411" y="5883275"/>
+            <a:ext cx="6239309" cy="365125"/>
+          </a:xfrm>
+          <a:prstGeom prst="rect">
+            <a:avLst/>
+          </a:prstGeom>
+        </p:spPr>
         <p:txBody>
           <a:bodyPr/>
           <a:lstStyle/>
@@ -8210,7 +8262,7 @@
           <a:p>
             <a:r>
               <a:rPr lang="en-US" smtClean="0"/>
-              <a:t>06.07.2018</a:t>
+              <a:t>06.08.2018</a:t>
             </a:r>
             <a:endParaRPr lang="en-US" dirty="0"/>
           </a:p>
@@ -8226,7 +8278,15 @@
             <p:ph type="ftr" sz="quarter" idx="11"/>
           </p:nvPr>
         </p:nvSpPr>
-        <p:spPr/>
+        <p:spPr>
+          <a:xfrm>
+            <a:off x="1141411" y="5883275"/>
+            <a:ext cx="6239309" cy="365125"/>
+          </a:xfrm>
+          <a:prstGeom prst="rect">
+            <a:avLst/>
+          </a:prstGeom>
+        </p:spPr>
         <p:txBody>
           <a:bodyPr/>
           <a:lstStyle/>
@@ -8590,7 +8650,7 @@
           <a:p>
             <a:r>
               <a:rPr lang="en-US" smtClean="0"/>
-              <a:t>06.07.2018</a:t>
+              <a:t>06.08.2018</a:t>
             </a:r>
             <a:endParaRPr lang="en-US" dirty="0"/>
           </a:p>
@@ -8606,7 +8666,15 @@
             <p:ph type="ftr" sz="quarter" idx="11"/>
           </p:nvPr>
         </p:nvSpPr>
-        <p:spPr/>
+        <p:spPr>
+          <a:xfrm>
+            <a:off x="1141411" y="5883275"/>
+            <a:ext cx="6239309" cy="365125"/>
+          </a:xfrm>
+          <a:prstGeom prst="rect">
+            <a:avLst/>
+          </a:prstGeom>
+        </p:spPr>
         <p:txBody>
           <a:bodyPr/>
           <a:lstStyle/>
@@ -8707,7 +8775,7 @@
           <a:p>
             <a:r>
               <a:rPr lang="en-US" smtClean="0"/>
-              <a:t>06.07.2018</a:t>
+              <a:t>06.08.2018</a:t>
             </a:r>
             <a:endParaRPr lang="en-US" dirty="0"/>
           </a:p>
@@ -8723,7 +8791,15 @@
             <p:ph type="ftr" sz="quarter" idx="11"/>
           </p:nvPr>
         </p:nvSpPr>
-        <p:spPr/>
+        <p:spPr>
+          <a:xfrm>
+            <a:off x="1141411" y="5883275"/>
+            <a:ext cx="6239309" cy="365125"/>
+          </a:xfrm>
+          <a:prstGeom prst="rect">
+            <a:avLst/>
+          </a:prstGeom>
+        </p:spPr>
         <p:txBody>
           <a:bodyPr/>
           <a:lstStyle/>
@@ -8801,7 +8877,7 @@
           <a:p>
             <a:r>
               <a:rPr lang="en-US" smtClean="0"/>
-              <a:t>06.07.2018</a:t>
+              <a:t>06.08.2018</a:t>
             </a:r>
             <a:endParaRPr lang="en-US" dirty="0"/>
           </a:p>
@@ -8817,7 +8893,15 @@
             <p:ph type="ftr" sz="quarter" idx="11"/>
           </p:nvPr>
         </p:nvSpPr>
-        <p:spPr/>
+        <p:spPr>
+          <a:xfrm>
+            <a:off x="1141411" y="5883275"/>
+            <a:ext cx="6239309" cy="365125"/>
+          </a:xfrm>
+          <a:prstGeom prst="rect">
+            <a:avLst/>
+          </a:prstGeom>
+        </p:spPr>
         <p:txBody>
           <a:bodyPr/>
           <a:lstStyle/>
@@ -9049,7 +9133,7 @@
           <a:p>
             <a:r>
               <a:rPr lang="en-US" smtClean="0"/>
-              <a:t>06.07.2018</a:t>
+              <a:t>06.08.2018</a:t>
             </a:r>
             <a:endParaRPr lang="en-US" dirty="0"/>
           </a:p>
@@ -9065,7 +9149,15 @@
             <p:ph type="ftr" sz="quarter" idx="11"/>
           </p:nvPr>
         </p:nvSpPr>
-        <p:spPr/>
+        <p:spPr>
+          <a:xfrm>
+            <a:off x="1141411" y="5883275"/>
+            <a:ext cx="6239309" cy="365125"/>
+          </a:xfrm>
+          <a:prstGeom prst="rect">
+            <a:avLst/>
+          </a:prstGeom>
+        </p:spPr>
         <p:txBody>
           <a:bodyPr/>
           <a:lstStyle/>
@@ -9328,7 +9420,7 @@
           <a:p>
             <a:r>
               <a:rPr lang="en-US" smtClean="0"/>
-              <a:t>06.07.2018</a:t>
+              <a:t>06.08.2018</a:t>
             </a:r>
             <a:endParaRPr lang="en-US" dirty="0"/>
           </a:p>
@@ -9344,7 +9436,15 @@
             <p:ph type="ftr" sz="quarter" idx="11"/>
           </p:nvPr>
         </p:nvSpPr>
-        <p:spPr/>
+        <p:spPr>
+          <a:xfrm>
+            <a:off x="1141411" y="5883275"/>
+            <a:ext cx="6239309" cy="365125"/>
+          </a:xfrm>
+          <a:prstGeom prst="rect">
+            <a:avLst/>
+          </a:prstGeom>
+        </p:spPr>
         <p:txBody>
           <a:bodyPr/>
           <a:lstStyle/>
@@ -12437,48 +12537,7 @@
           <a:p>
             <a:r>
               <a:rPr lang="en-US" smtClean="0"/>
-              <a:t>06.07.2018</a:t>
-            </a:r>
-            <a:endParaRPr lang="en-US" dirty="0"/>
-          </a:p>
-        </p:txBody>
-      </p:sp>
-      <p:sp>
-        <p:nvSpPr>
-          <p:cNvPr id="5" name="Footer Placeholder 4"/>
-          <p:cNvSpPr>
-            <a:spLocks noGrp="1"/>
-          </p:cNvSpPr>
-          <p:nvPr>
-            <p:ph type="ftr" sz="quarter" idx="3"/>
-          </p:nvPr>
-        </p:nvSpPr>
-        <p:spPr>
-          <a:xfrm>
-            <a:off x="1141411" y="5883275"/>
-            <a:ext cx="6239309" cy="365125"/>
-          </a:xfrm>
-          <a:prstGeom prst="rect">
-            <a:avLst/>
-          </a:prstGeom>
-        </p:spPr>
-        <p:txBody>
-          <a:bodyPr vert="horz" lIns="91440" tIns="45720" rIns="91440" bIns="45720" rtlCol="0" anchor="ctr"/>
-          <a:lstStyle>
-            <a:lvl1pPr algn="l">
-              <a:defRPr sz="1050" cap="all" baseline="0">
-                <a:solidFill>
-                  <a:schemeClr val="tx1">
-                    <a:tint val="75000"/>
-                  </a:schemeClr>
-                </a:solidFill>
-              </a:defRPr>
-            </a:lvl1pPr>
-          </a:lstStyle>
-          <a:p>
-            <a:r>
-              <a:rPr lang="en-US" smtClean="0"/>
-              <a:t>Computer Vision (001) by Kim Gunhee – Spring 2018 Seoul National university</a:t>
+              <a:t>06.08.2018</a:t>
             </a:r>
             <a:endParaRPr lang="en-US" dirty="0"/>
           </a:p>
@@ -12528,7 +12587,7 @@
       </p:sp>
       <p:pic>
         <p:nvPicPr>
-          <p:cNvPr id="48" name="Picture 4" descr="Image result for snu logo png"/>
+          <p:cNvPr id="2050" name="Picture 2" descr="C:\Users\cv\Desktop\Bild1.png"/>
           <p:cNvPicPr>
             <a:picLocks noChangeAspect="1" noChangeArrowheads="1"/>
           </p:cNvPicPr>
@@ -12549,18 +12608,13 @@
         </p:blipFill>
         <p:spPr bwMode="auto">
           <a:xfrm>
-            <a:off x="7189126" y="144425"/>
-            <a:ext cx="3873636" cy="870015"/>
+            <a:off x="7219784" y="130175"/>
+            <a:ext cx="3724732" cy="831277"/>
           </a:xfrm>
           <a:prstGeom prst="rect">
             <a:avLst/>
           </a:prstGeom>
           <a:noFill/>
-          <a:effectLst>
-            <a:glow rad="25400">
-              <a:schemeClr val="tx1"/>
-            </a:glow>
-          </a:effectLst>
           <a:extLst>
             <a:ext uri="{909E8E84-426E-40DD-AFC4-6F175D3DCCD1}">
               <a14:hiddenFill xmlns:a14="http://schemas.microsoft.com/office/drawing/2010/main">
@@ -12601,7 +12655,7 @@
       </p:par>
     </p:tnLst>
   </p:timing>
-  <p:hf hdr="0"/>
+  <p:hf hdr="0" ftr="0"/>
   <p:txStyles>
     <p:titleStyle>
       <a:lvl1pPr algn="l" defTabSz="914400" rtl="0" eaLnBrk="1" latinLnBrk="0" hangingPunct="1">
@@ -12921,7 +12975,12 @@
             <p:ph type="ctrTitle"/>
           </p:nvPr>
         </p:nvSpPr>
-        <p:spPr/>
+        <p:spPr>
+          <a:xfrm>
+            <a:off x="1876424" y="1122363"/>
+            <a:ext cx="9605259" cy="2387600"/>
+          </a:xfrm>
+        </p:spPr>
         <p:txBody>
           <a:bodyPr/>
           <a:lstStyle/>
@@ -13081,68 +13140,130 @@
       </p:sp>
       <p:sp>
         <p:nvSpPr>
-          <p:cNvPr id="4" name="Datumsplatzhalter 3"/>
-          <p:cNvSpPr>
-            <a:spLocks noGrp="1"/>
-          </p:cNvSpPr>
-          <p:nvPr>
-            <p:ph type="dt" sz="half" idx="10"/>
-          </p:nvPr>
-        </p:nvSpPr>
-        <p:spPr/>
+          <p:cNvPr id="10" name="Footer Placeholder 4"/>
+          <p:cNvSpPr txBox="1">
+            <a:spLocks/>
+          </p:cNvSpPr>
+          <p:nvPr/>
+        </p:nvSpPr>
+        <p:spPr>
+          <a:xfrm>
+            <a:off x="1940033" y="2447680"/>
+            <a:ext cx="7593580" cy="365125"/>
+          </a:xfrm>
+          <a:prstGeom prst="rect">
+            <a:avLst/>
+          </a:prstGeom>
+        </p:spPr>
         <p:txBody>
           <a:bodyPr/>
-          <a:lstStyle/>
-          <a:p>
-            <a:r>
-              <a:rPr lang="en-US" smtClean="0"/>
-              <a:t>06.07.2018</a:t>
-            </a:r>
-            <a:endParaRPr lang="en-US" dirty="0"/>
-          </a:p>
-        </p:txBody>
-      </p:sp>
-      <p:sp>
-        <p:nvSpPr>
-          <p:cNvPr id="6" name="Foliennummernplatzhalter 5"/>
-          <p:cNvSpPr>
-            <a:spLocks noGrp="1"/>
-          </p:cNvSpPr>
-          <p:nvPr>
-            <p:ph type="sldNum" sz="quarter" idx="12"/>
-          </p:nvPr>
-        </p:nvSpPr>
-        <p:spPr/>
-        <p:txBody>
-          <a:bodyPr/>
-          <a:lstStyle/>
-          <a:p>
-            <a:fld id="{6D22F896-40B5-4ADD-8801-0D06FADFA095}" type="slidenum">
-              <a:rPr lang="en-US" smtClean="0"/>
-              <a:t>1</a:t>
-            </a:fld>
-            <a:endParaRPr lang="en-US" dirty="0"/>
-          </a:p>
-        </p:txBody>
-      </p:sp>
-      <p:sp>
-        <p:nvSpPr>
-          <p:cNvPr id="7" name="Fußzeilenplatzhalter 6"/>
-          <p:cNvSpPr>
-            <a:spLocks noGrp="1"/>
-          </p:cNvSpPr>
-          <p:nvPr>
-            <p:ph type="ftr" sz="quarter" idx="11"/>
-          </p:nvPr>
-        </p:nvSpPr>
-        <p:spPr/>
-        <p:txBody>
-          <a:bodyPr/>
-          <a:lstStyle/>
-          <a:p>
-            <a:r>
-              <a:rPr lang="en-US" smtClean="0"/>
-              <a:t>Computer Vision (001) by Kim Gunhee – Spring 2018 Seoul National university</a:t>
+          <a:lstStyle>
+            <a:defPPr>
+              <a:defRPr lang="en-US"/>
+            </a:defPPr>
+            <a:lvl1pPr marL="0" algn="l" defTabSz="457200" rtl="0" eaLnBrk="1" latinLnBrk="0" hangingPunct="1">
+              <a:defRPr sz="1800" kern="1200">
+                <a:solidFill>
+                  <a:schemeClr val="tx1"/>
+                </a:solidFill>
+                <a:latin typeface="+mn-lt"/>
+                <a:ea typeface="+mn-ea"/>
+                <a:cs typeface="+mn-cs"/>
+              </a:defRPr>
+            </a:lvl1pPr>
+            <a:lvl2pPr marL="457200" algn="l" defTabSz="457200" rtl="0" eaLnBrk="1" latinLnBrk="0" hangingPunct="1">
+              <a:defRPr sz="1800" kern="1200">
+                <a:solidFill>
+                  <a:schemeClr val="tx1"/>
+                </a:solidFill>
+                <a:latin typeface="+mn-lt"/>
+                <a:ea typeface="+mn-ea"/>
+                <a:cs typeface="+mn-cs"/>
+              </a:defRPr>
+            </a:lvl2pPr>
+            <a:lvl3pPr marL="914400" algn="l" defTabSz="457200" rtl="0" eaLnBrk="1" latinLnBrk="0" hangingPunct="1">
+              <a:defRPr sz="1800" kern="1200">
+                <a:solidFill>
+                  <a:schemeClr val="tx1"/>
+                </a:solidFill>
+                <a:latin typeface="+mn-lt"/>
+                <a:ea typeface="+mn-ea"/>
+                <a:cs typeface="+mn-cs"/>
+              </a:defRPr>
+            </a:lvl3pPr>
+            <a:lvl4pPr marL="1371600" algn="l" defTabSz="457200" rtl="0" eaLnBrk="1" latinLnBrk="0" hangingPunct="1">
+              <a:defRPr sz="1800" kern="1200">
+                <a:solidFill>
+                  <a:schemeClr val="tx1"/>
+                </a:solidFill>
+                <a:latin typeface="+mn-lt"/>
+                <a:ea typeface="+mn-ea"/>
+                <a:cs typeface="+mn-cs"/>
+              </a:defRPr>
+            </a:lvl4pPr>
+            <a:lvl5pPr marL="1828800" algn="l" defTabSz="457200" rtl="0" eaLnBrk="1" latinLnBrk="0" hangingPunct="1">
+              <a:defRPr sz="1800" kern="1200">
+                <a:solidFill>
+                  <a:schemeClr val="tx1"/>
+                </a:solidFill>
+                <a:latin typeface="+mn-lt"/>
+                <a:ea typeface="+mn-ea"/>
+                <a:cs typeface="+mn-cs"/>
+              </a:defRPr>
+            </a:lvl5pPr>
+            <a:lvl6pPr marL="2286000" algn="l" defTabSz="457200" rtl="0" eaLnBrk="1" latinLnBrk="0" hangingPunct="1">
+              <a:defRPr sz="1800" kern="1200">
+                <a:solidFill>
+                  <a:schemeClr val="tx1"/>
+                </a:solidFill>
+                <a:latin typeface="+mn-lt"/>
+                <a:ea typeface="+mn-ea"/>
+                <a:cs typeface="+mn-cs"/>
+              </a:defRPr>
+            </a:lvl6pPr>
+            <a:lvl7pPr marL="2743200" algn="l" defTabSz="457200" rtl="0" eaLnBrk="1" latinLnBrk="0" hangingPunct="1">
+              <a:defRPr sz="1800" kern="1200">
+                <a:solidFill>
+                  <a:schemeClr val="tx1"/>
+                </a:solidFill>
+                <a:latin typeface="+mn-lt"/>
+                <a:ea typeface="+mn-ea"/>
+                <a:cs typeface="+mn-cs"/>
+              </a:defRPr>
+            </a:lvl7pPr>
+            <a:lvl8pPr marL="3200400" algn="l" defTabSz="457200" rtl="0" eaLnBrk="1" latinLnBrk="0" hangingPunct="1">
+              <a:defRPr sz="1800" kern="1200">
+                <a:solidFill>
+                  <a:schemeClr val="tx1"/>
+                </a:solidFill>
+                <a:latin typeface="+mn-lt"/>
+                <a:ea typeface="+mn-ea"/>
+                <a:cs typeface="+mn-cs"/>
+              </a:defRPr>
+            </a:lvl8pPr>
+            <a:lvl9pPr marL="3657600" algn="l" defTabSz="457200" rtl="0" eaLnBrk="1" latinLnBrk="0" hangingPunct="1">
+              <a:defRPr sz="1800" kern="1200">
+                <a:solidFill>
+                  <a:schemeClr val="tx1"/>
+                </a:solidFill>
+                <a:latin typeface="+mn-lt"/>
+                <a:ea typeface="+mn-ea"/>
+                <a:cs typeface="+mn-cs"/>
+              </a:defRPr>
+            </a:lvl9pPr>
+          </a:lstStyle>
+          <a:p>
+            <a:r>
+              <a:rPr lang="en-US" dirty="0" smtClean="0"/>
+              <a:t>Computer Vision (001) by Kim </a:t>
+            </a:r>
+            <a:r>
+              <a:rPr lang="en-US" dirty="0" err="1" smtClean="0"/>
+              <a:t>Gunhee</a:t>
+            </a:r>
+            <a:r>
+              <a:rPr lang="en-US" dirty="0" smtClean="0"/>
+              <a:t> – Spring 2018 SNU</a:t>
             </a:r>
             <a:endParaRPr lang="en-US" dirty="0"/>
           </a:p>
@@ -13252,7 +13373,7 @@
           <a:p>
             <a:r>
               <a:rPr lang="en-US" smtClean="0"/>
-              <a:t>06.07.2018</a:t>
+              <a:t>06.08.2018</a:t>
             </a:r>
             <a:endParaRPr lang="en-US" dirty="0"/>
           </a:p>
@@ -13278,29 +13399,6 @@
               <a:t>10</a:t>
             </a:fld>
             <a:endParaRPr lang="en-US" dirty="0"/>
-          </a:p>
-        </p:txBody>
-      </p:sp>
-      <p:sp>
-        <p:nvSpPr>
-          <p:cNvPr id="7" name="Fußzeilenplatzhalter 6"/>
-          <p:cNvSpPr>
-            <a:spLocks noGrp="1"/>
-          </p:cNvSpPr>
-          <p:nvPr>
-            <p:ph type="ftr" sz="quarter" idx="11"/>
-          </p:nvPr>
-        </p:nvSpPr>
-        <p:spPr/>
-        <p:txBody>
-          <a:bodyPr/>
-          <a:lstStyle/>
-          <a:p>
-            <a:r>
-              <a:rPr lang="en-US" smtClean="0"/>
-              <a:t>Computer Vision (001) by Kim Gunhee – Spring 2018 Seoul National university</a:t>
-            </a:r>
-            <a:endParaRPr lang="en-US" dirty="0" smtClean="0"/>
           </a:p>
         </p:txBody>
       </p:sp>
@@ -13420,7 +13518,7 @@
             <a:pPr lvl="1"/>
             <a:r>
               <a:rPr lang="en-US" dirty="0" smtClean="0"/>
-              <a:t>Specific parameters like Ohm, Henry or sinus wave with amplitude and frequency</a:t>
+              <a:t>Element specific electrical parameters</a:t>
             </a:r>
           </a:p>
           <a:p>
@@ -13445,7 +13543,7 @@
           <a:p>
             <a:r>
               <a:rPr lang="en-US" smtClean="0"/>
-              <a:t>06.07.2018</a:t>
+              <a:t>06.08.2018</a:t>
             </a:r>
             <a:endParaRPr lang="en-US" dirty="0"/>
           </a:p>
@@ -13471,29 +13569,6 @@
               <a:t>11</a:t>
             </a:fld>
             <a:endParaRPr lang="en-US" dirty="0"/>
-          </a:p>
-        </p:txBody>
-      </p:sp>
-      <p:sp>
-        <p:nvSpPr>
-          <p:cNvPr id="7" name="Fußzeilenplatzhalter 6"/>
-          <p:cNvSpPr>
-            <a:spLocks noGrp="1"/>
-          </p:cNvSpPr>
-          <p:nvPr>
-            <p:ph type="ftr" sz="quarter" idx="11"/>
-          </p:nvPr>
-        </p:nvSpPr>
-        <p:spPr/>
-        <p:txBody>
-          <a:bodyPr/>
-          <a:lstStyle/>
-          <a:p>
-            <a:r>
-              <a:rPr lang="en-US" smtClean="0"/>
-              <a:t>Computer Vision (001) by Kim Gunhee – Spring 2018 Seoul National university</a:t>
-            </a:r>
-            <a:endParaRPr lang="en-US" dirty="0" smtClean="0"/>
           </a:p>
         </p:txBody>
       </p:sp>
@@ -13601,7 +13676,7 @@
           <a:p>
             <a:r>
               <a:rPr lang="en-US" smtClean="0"/>
-              <a:t>06.07.2018</a:t>
+              <a:t>06.08.2018</a:t>
             </a:r>
             <a:endParaRPr lang="en-US" dirty="0"/>
           </a:p>
@@ -13627,29 +13702,6 @@
               <a:t>12</a:t>
             </a:fld>
             <a:endParaRPr lang="en-US" dirty="0"/>
-          </a:p>
-        </p:txBody>
-      </p:sp>
-      <p:sp>
-        <p:nvSpPr>
-          <p:cNvPr id="7" name="Fußzeilenplatzhalter 6"/>
-          <p:cNvSpPr>
-            <a:spLocks noGrp="1"/>
-          </p:cNvSpPr>
-          <p:nvPr>
-            <p:ph type="ftr" sz="quarter" idx="11"/>
-          </p:nvPr>
-        </p:nvSpPr>
-        <p:spPr/>
-        <p:txBody>
-          <a:bodyPr/>
-          <a:lstStyle/>
-          <a:p>
-            <a:r>
-              <a:rPr lang="en-US" smtClean="0"/>
-              <a:t>Computer Vision (001) by Kim Gunhee – Spring 2018 Seoul National university</a:t>
-            </a:r>
-            <a:endParaRPr lang="en-US" dirty="0" smtClean="0"/>
           </a:p>
         </p:txBody>
       </p:sp>
@@ -13755,6 +13807,46 @@
             <a:endParaRPr lang="de-CH" dirty="0" smtClean="0"/>
           </a:p>
           <a:p>
+            <a:pPr lvl="1"/>
+            <a:r>
+              <a:rPr lang="de-CH" dirty="0" err="1" smtClean="0"/>
+              <a:t>Binarization</a:t>
+            </a:r>
+            <a:r>
+              <a:rPr lang="de-CH" dirty="0" smtClean="0"/>
+              <a:t> </a:t>
+            </a:r>
+            <a:r>
+              <a:rPr lang="de-CH" dirty="0" err="1" smtClean="0"/>
+              <a:t>with</a:t>
+            </a:r>
+            <a:r>
+              <a:rPr lang="de-CH" dirty="0" smtClean="0"/>
+              <a:t> </a:t>
+            </a:r>
+            <a:r>
+              <a:rPr lang="de-CH" dirty="0" err="1" smtClean="0"/>
+              <a:t>thresholding</a:t>
+            </a:r>
+            <a:endParaRPr lang="de-CH" dirty="0" smtClean="0"/>
+          </a:p>
+          <a:p>
+            <a:pPr lvl="1"/>
+            <a:r>
+              <a:rPr lang="de-CH" dirty="0" err="1" smtClean="0"/>
+              <a:t>Morphological</a:t>
+            </a:r>
+            <a:r>
+              <a:rPr lang="de-CH" dirty="0" smtClean="0"/>
+              <a:t> </a:t>
+            </a:r>
+            <a:r>
+              <a:rPr lang="de-CH" dirty="0" err="1" smtClean="0"/>
+              <a:t>operations</a:t>
+            </a:r>
+            <a:endParaRPr lang="de-CH" dirty="0" smtClean="0"/>
+          </a:p>
+          <a:p>
             <a:r>
               <a:rPr lang="de-CH" dirty="0" err="1" smtClean="0"/>
               <a:t>Object</a:t>
@@ -13794,6 +13886,18 @@
             <a:endParaRPr lang="de-CH" dirty="0" smtClean="0"/>
           </a:p>
           <a:p>
+            <a:pPr lvl="1"/>
+            <a:r>
+              <a:rPr lang="de-CH" dirty="0" smtClean="0"/>
+              <a:t>Hough </a:t>
+            </a:r>
+            <a:r>
+              <a:rPr lang="de-CH" dirty="0" err="1" smtClean="0"/>
+              <a:t>transform</a:t>
+            </a:r>
+            <a:endParaRPr lang="de-CH" dirty="0" smtClean="0"/>
+          </a:p>
+          <a:p>
             <a:endParaRPr lang="en-US" dirty="0"/>
           </a:p>
         </p:txBody>
@@ -13815,7 +13919,7 @@
           <a:p>
             <a:r>
               <a:rPr lang="en-US" smtClean="0"/>
-              <a:t>06.07.2018</a:t>
+              <a:t>06.08.2018</a:t>
             </a:r>
             <a:endParaRPr lang="en-US" dirty="0"/>
           </a:p>
@@ -13841,29 +13945,6 @@
               <a:t>13</a:t>
             </a:fld>
             <a:endParaRPr lang="en-US" dirty="0"/>
-          </a:p>
-        </p:txBody>
-      </p:sp>
-      <p:sp>
-        <p:nvSpPr>
-          <p:cNvPr id="7" name="Fußzeilenplatzhalter 6"/>
-          <p:cNvSpPr>
-            <a:spLocks noGrp="1"/>
-          </p:cNvSpPr>
-          <p:nvPr>
-            <p:ph type="ftr" sz="quarter" idx="11"/>
-          </p:nvPr>
-        </p:nvSpPr>
-        <p:spPr/>
-        <p:txBody>
-          <a:bodyPr/>
-          <a:lstStyle/>
-          <a:p>
-            <a:r>
-              <a:rPr lang="en-US" smtClean="0"/>
-              <a:t>Computer Vision (001) by Kim Gunhee – Spring 2018 Seoul National university</a:t>
-            </a:r>
-            <a:endParaRPr lang="en-US" dirty="0" smtClean="0"/>
           </a:p>
         </p:txBody>
       </p:sp>
@@ -13962,7 +14043,7 @@
           <a:p>
             <a:r>
               <a:rPr lang="en-US" dirty="0" smtClean="0"/>
-              <a:t>This is where Computer Vision comes is:</a:t>
+              <a:t>This is where Computer Vision comes in:</a:t>
             </a:r>
           </a:p>
           <a:p>
@@ -13983,7 +14064,7 @@
             <a:pPr lvl="1"/>
             <a:r>
               <a:rPr lang="en-US" dirty="0" smtClean="0"/>
-              <a:t>Generate SIMSCAPE, a SIMULINK library, model</a:t>
+              <a:t>Generate a SIMSCAPE model</a:t>
             </a:r>
             <a:endParaRPr lang="en-US" dirty="0"/>
           </a:p>
@@ -14006,7 +14087,7 @@
           <a:p>
             <a:r>
               <a:rPr lang="en-US" smtClean="0"/>
-              <a:t>06.07.2018</a:t>
+              <a:t>06.08.2018</a:t>
             </a:r>
             <a:endParaRPr lang="en-US" dirty="0"/>
           </a:p>
@@ -14032,29 +14113,6 @@
               <a:t>2</a:t>
             </a:fld>
             <a:endParaRPr lang="en-US" dirty="0"/>
-          </a:p>
-        </p:txBody>
-      </p:sp>
-      <p:sp>
-        <p:nvSpPr>
-          <p:cNvPr id="7" name="Fußzeilenplatzhalter 6"/>
-          <p:cNvSpPr>
-            <a:spLocks noGrp="1"/>
-          </p:cNvSpPr>
-          <p:nvPr>
-            <p:ph type="ftr" sz="quarter" idx="11"/>
-          </p:nvPr>
-        </p:nvSpPr>
-        <p:spPr/>
-        <p:txBody>
-          <a:bodyPr/>
-          <a:lstStyle/>
-          <a:p>
-            <a:r>
-              <a:rPr lang="en-US" smtClean="0"/>
-              <a:t>Computer Vision (001) by Kim Gunhee – Spring 2018 Seoul National university</a:t>
-            </a:r>
-            <a:endParaRPr lang="en-US" dirty="0" smtClean="0"/>
           </a:p>
         </p:txBody>
       </p:sp>
@@ -14187,7 +14245,7 @@
           <a:p>
             <a:r>
               <a:rPr lang="en-US" smtClean="0"/>
-              <a:t>06.07.2018</a:t>
+              <a:t>06.08.2018</a:t>
             </a:r>
             <a:endParaRPr lang="en-US" dirty="0"/>
           </a:p>
@@ -14213,29 +14271,6 @@
               <a:t>3</a:t>
             </a:fld>
             <a:endParaRPr lang="en-US" dirty="0"/>
-          </a:p>
-        </p:txBody>
-      </p:sp>
-      <p:sp>
-        <p:nvSpPr>
-          <p:cNvPr id="7" name="Fußzeilenplatzhalter 6"/>
-          <p:cNvSpPr>
-            <a:spLocks noGrp="1"/>
-          </p:cNvSpPr>
-          <p:nvPr>
-            <p:ph type="ftr" sz="quarter" idx="11"/>
-          </p:nvPr>
-        </p:nvSpPr>
-        <p:spPr/>
-        <p:txBody>
-          <a:bodyPr/>
-          <a:lstStyle/>
-          <a:p>
-            <a:r>
-              <a:rPr lang="en-US" smtClean="0"/>
-              <a:t>Computer Vision (001) by Kim Gunhee – Spring 2018 Seoul National university</a:t>
-            </a:r>
-            <a:endParaRPr lang="en-US" dirty="0" smtClean="0"/>
           </a:p>
         </p:txBody>
       </p:sp>
@@ -14343,7 +14378,7 @@
           <a:p>
             <a:r>
               <a:rPr lang="en-US" smtClean="0"/>
-              <a:t>06.07.2018</a:t>
+              <a:t>06.08.2018</a:t>
             </a:r>
             <a:endParaRPr lang="en-US" dirty="0"/>
           </a:p>
@@ -14369,29 +14404,6 @@
               <a:t>4</a:t>
             </a:fld>
             <a:endParaRPr lang="en-US" dirty="0"/>
-          </a:p>
-        </p:txBody>
-      </p:sp>
-      <p:sp>
-        <p:nvSpPr>
-          <p:cNvPr id="7" name="Fußzeilenplatzhalter 6"/>
-          <p:cNvSpPr>
-            <a:spLocks noGrp="1"/>
-          </p:cNvSpPr>
-          <p:nvPr>
-            <p:ph type="ftr" sz="quarter" idx="11"/>
-          </p:nvPr>
-        </p:nvSpPr>
-        <p:spPr/>
-        <p:txBody>
-          <a:bodyPr/>
-          <a:lstStyle/>
-          <a:p>
-            <a:r>
-              <a:rPr lang="en-US" smtClean="0"/>
-              <a:t>Computer Vision (001) by Kim Gunhee – Spring 2018 Seoul National university</a:t>
-            </a:r>
-            <a:endParaRPr lang="en-US" dirty="0" smtClean="0"/>
           </a:p>
         </p:txBody>
       </p:sp>
@@ -14495,7 +14507,7 @@
           <a:p>
             <a:r>
               <a:rPr lang="en-US" smtClean="0"/>
-              <a:t>06.07.2018</a:t>
+              <a:t>06.08.2018</a:t>
             </a:r>
             <a:endParaRPr lang="en-US" dirty="0"/>
           </a:p>
@@ -14521,29 +14533,6 @@
               <a:t>5</a:t>
             </a:fld>
             <a:endParaRPr lang="en-US" dirty="0"/>
-          </a:p>
-        </p:txBody>
-      </p:sp>
-      <p:sp>
-        <p:nvSpPr>
-          <p:cNvPr id="7" name="Fußzeilenplatzhalter 6"/>
-          <p:cNvSpPr>
-            <a:spLocks noGrp="1"/>
-          </p:cNvSpPr>
-          <p:nvPr>
-            <p:ph type="ftr" sz="quarter" idx="11"/>
-          </p:nvPr>
-        </p:nvSpPr>
-        <p:spPr/>
-        <p:txBody>
-          <a:bodyPr/>
-          <a:lstStyle/>
-          <a:p>
-            <a:r>
-              <a:rPr lang="en-US" smtClean="0"/>
-              <a:t>Computer Vision (001) by Kim Gunhee – Spring 2018 Seoul National university</a:t>
-            </a:r>
-            <a:endParaRPr lang="en-US" dirty="0" smtClean="0"/>
           </a:p>
         </p:txBody>
       </p:sp>
@@ -14811,7 +14800,7 @@
           <a:p>
             <a:r>
               <a:rPr lang="en-US" smtClean="0"/>
-              <a:t>06.07.2018</a:t>
+              <a:t>06.08.2018</a:t>
             </a:r>
             <a:endParaRPr lang="en-US" dirty="0"/>
           </a:p>
@@ -14837,29 +14826,6 @@
               <a:t>6</a:t>
             </a:fld>
             <a:endParaRPr lang="en-US" dirty="0"/>
-          </a:p>
-        </p:txBody>
-      </p:sp>
-      <p:sp>
-        <p:nvSpPr>
-          <p:cNvPr id="7" name="Fußzeilenplatzhalter 6"/>
-          <p:cNvSpPr>
-            <a:spLocks noGrp="1"/>
-          </p:cNvSpPr>
-          <p:nvPr>
-            <p:ph type="ftr" sz="quarter" idx="11"/>
-          </p:nvPr>
-        </p:nvSpPr>
-        <p:spPr/>
-        <p:txBody>
-          <a:bodyPr/>
-          <a:lstStyle/>
-          <a:p>
-            <a:r>
-              <a:rPr lang="en-US" smtClean="0"/>
-              <a:t>Computer Vision (001) by Kim Gunhee – Spring 2018 Seoul National university</a:t>
-            </a:r>
-            <a:endParaRPr lang="en-US" dirty="0" smtClean="0"/>
           </a:p>
         </p:txBody>
       </p:sp>
@@ -14975,7 +14941,7 @@
           <a:p>
             <a:r>
               <a:rPr lang="en-US" smtClean="0"/>
-              <a:t>06.07.2018</a:t>
+              <a:t>06.08.2018</a:t>
             </a:r>
             <a:endParaRPr lang="en-US" dirty="0"/>
           </a:p>
@@ -15001,29 +14967,6 @@
               <a:t>7</a:t>
             </a:fld>
             <a:endParaRPr lang="en-US" dirty="0"/>
-          </a:p>
-        </p:txBody>
-      </p:sp>
-      <p:sp>
-        <p:nvSpPr>
-          <p:cNvPr id="7" name="Fußzeilenplatzhalter 6"/>
-          <p:cNvSpPr>
-            <a:spLocks noGrp="1"/>
-          </p:cNvSpPr>
-          <p:nvPr>
-            <p:ph type="ftr" sz="quarter" idx="11"/>
-          </p:nvPr>
-        </p:nvSpPr>
-        <p:spPr/>
-        <p:txBody>
-          <a:bodyPr/>
-          <a:lstStyle/>
-          <a:p>
-            <a:r>
-              <a:rPr lang="en-US" smtClean="0"/>
-              <a:t>Computer Vision (001) by Kim Gunhee – Spring 2018 Seoul National university</a:t>
-            </a:r>
-            <a:endParaRPr lang="en-US" dirty="0" smtClean="0"/>
           </a:p>
         </p:txBody>
       </p:sp>
@@ -15127,7 +15070,7 @@
           <a:p>
             <a:r>
               <a:rPr lang="en-US" smtClean="0"/>
-              <a:t>06.07.2018</a:t>
+              <a:t>06.08.2018</a:t>
             </a:r>
             <a:endParaRPr lang="en-US" dirty="0"/>
           </a:p>
@@ -15153,29 +15096,6 @@
               <a:t>8</a:t>
             </a:fld>
             <a:endParaRPr lang="en-US" dirty="0"/>
-          </a:p>
-        </p:txBody>
-      </p:sp>
-      <p:sp>
-        <p:nvSpPr>
-          <p:cNvPr id="7" name="Fußzeilenplatzhalter 6"/>
-          <p:cNvSpPr>
-            <a:spLocks noGrp="1"/>
-          </p:cNvSpPr>
-          <p:nvPr>
-            <p:ph type="ftr" sz="quarter" idx="11"/>
-          </p:nvPr>
-        </p:nvSpPr>
-        <p:spPr/>
-        <p:txBody>
-          <a:bodyPr/>
-          <a:lstStyle/>
-          <a:p>
-            <a:r>
-              <a:rPr lang="en-US" smtClean="0"/>
-              <a:t>Computer Vision (001) by Kim Gunhee – Spring 2018 Seoul National university</a:t>
-            </a:r>
-            <a:endParaRPr lang="en-US" dirty="0" smtClean="0"/>
           </a:p>
         </p:txBody>
       </p:sp>
@@ -15283,7 +15203,7 @@
           <a:p>
             <a:r>
               <a:rPr lang="en-US" smtClean="0"/>
-              <a:t>06.07.2018</a:t>
+              <a:t>06.08.2018</a:t>
             </a:r>
             <a:endParaRPr lang="en-US" dirty="0"/>
           </a:p>
@@ -15309,29 +15229,6 @@
               <a:t>9</a:t>
             </a:fld>
             <a:endParaRPr lang="en-US" dirty="0"/>
-          </a:p>
-        </p:txBody>
-      </p:sp>
-      <p:sp>
-        <p:nvSpPr>
-          <p:cNvPr id="7" name="Fußzeilenplatzhalter 6"/>
-          <p:cNvSpPr>
-            <a:spLocks noGrp="1"/>
-          </p:cNvSpPr>
-          <p:nvPr>
-            <p:ph type="ftr" sz="quarter" idx="11"/>
-          </p:nvPr>
-        </p:nvSpPr>
-        <p:spPr/>
-        <p:txBody>
-          <a:bodyPr/>
-          <a:lstStyle/>
-          <a:p>
-            <a:r>
-              <a:rPr lang="en-US" smtClean="0"/>
-              <a:t>Computer Vision (001) by Kim Gunhee – Spring 2018 Seoul National university</a:t>
-            </a:r>
-            <a:endParaRPr lang="en-US" dirty="0" smtClean="0"/>
           </a:p>
         </p:txBody>
       </p:sp>
